--- a/Code Clinic.pptx
+++ b/Code Clinic.pptx
@@ -14142,7 +14142,15 @@
             </a:pPr>
             <a:r>
               <a:rPr lang="en-US" sz="4400" dirty="0"/>
-              <a:t>Code Clinic</a:t>
+              <a:t>Code Clinic [C</a:t>
+            </a:r>
+            <a:r>
+              <a:rPr lang="ko-KR" altLang="en-US" sz="4400" dirty="0"/>
+              <a:t>팀</a:t>
+            </a:r>
+            <a:r>
+              <a:rPr lang="en-US" altLang="ko-KR" sz="4400" dirty="0"/>
+              <a:t>]</a:t>
             </a:r>
             <a:endParaRPr sz="4400" dirty="0"/>
           </a:p>

--- a/Code Clinic.pptx
+++ b/Code Clinic.pptx
@@ -5,7 +5,7 @@
     <p:sldMasterId id="2147483648" r:id="rId1"/>
   </p:sldMasterIdLst>
   <p:notesMasterIdLst>
-    <p:notesMasterId r:id="rId28"/>
+    <p:notesMasterId r:id="rId32"/>
   </p:notesMasterIdLst>
   <p:sldIdLst>
     <p:sldId id="256" r:id="rId2"/>
@@ -33,7 +33,11 @@
     <p:sldId id="271" r:id="rId24"/>
     <p:sldId id="272" r:id="rId25"/>
     <p:sldId id="273" r:id="rId26"/>
-    <p:sldId id="274" r:id="rId27"/>
+    <p:sldId id="258" r:id="rId27"/>
+    <p:sldId id="291" r:id="rId28"/>
+    <p:sldId id="292" r:id="rId29"/>
+    <p:sldId id="264" r:id="rId30"/>
+    <p:sldId id="274" r:id="rId31"/>
   </p:sldIdLst>
   <p:sldSz cx="12192000" cy="6858000"/>
   <p:notesSz cx="6858000" cy="9144000"/>
@@ -271,7 +275,7 @@
       <p15:sldGuideLst xmlns:p15="http://schemas.microsoft.com/office/powerpoint/2012/main"/>
     </p:ext>
     <p:ext uri="GoogleSlidesCustomDataVersion2">
-      <go:slidesCustomData xmlns="" xmlns:mc="http://schemas.openxmlformats.org/markup-compatibility/2006" xmlns:mv="urn:schemas-microsoft-com:mac:vml" xmlns:c="http://schemas.openxmlformats.org/drawingml/2006/chart" xmlns:dgm="http://schemas.openxmlformats.org/drawingml/2006/diagram" xmlns:o="urn:schemas-microsoft-com:office:office" xmlns:v="urn:schemas-microsoft-com:vml" xmlns:pvml="urn:schemas-microsoft-com:office:powerpoint" xmlns:com="http://schemas.openxmlformats.org/drawingml/2006/compatibility" xmlns:p14="http://schemas.microsoft.com/office/powerpoint/2010/main" xmlns:p15="http://schemas.microsoft.com/office/powerpoint/2012/main" xmlns:ahyp="http://schemas.microsoft.com/office/drawing/2018/hyperlinkcolor" xmlns:go="http://customooxmlschemas.google.com/" r:id="rId29" roundtripDataSignature="AMtx7mj5GdbxsaFl02bTEFBl/9s84/Z/Bw=="/>
+      <go:slidesCustomData xmlns="" xmlns:mc="http://schemas.openxmlformats.org/markup-compatibility/2006" xmlns:mv="urn:schemas-microsoft-com:mac:vml" xmlns:c="http://schemas.openxmlformats.org/drawingml/2006/chart" xmlns:dgm="http://schemas.openxmlformats.org/drawingml/2006/diagram" xmlns:o="urn:schemas-microsoft-com:office:office" xmlns:v="urn:schemas-microsoft-com:vml" xmlns:pvml="urn:schemas-microsoft-com:office:powerpoint" xmlns:com="http://schemas.openxmlformats.org/drawingml/2006/compatibility" xmlns:p14="http://schemas.microsoft.com/office/powerpoint/2010/main" xmlns:p15="http://schemas.microsoft.com/office/powerpoint/2012/main" xmlns:ahyp="http://schemas.microsoft.com/office/drawing/2018/hyperlinkcolor" xmlns:go="http://customooxmlschemas.google.com/" r:id="rId33" roundtripDataSignature="AMtx7mj5GdbxsaFl02bTEFBl/9s84/Z/Bw=="/>
     </p:ext>
   </p:extLst>
 </p:presentation>
@@ -2747,7 +2751,7 @@
   <p:cSld>
     <p:spTree>
       <p:nvGrpSpPr>
-        <p:cNvPr id="1" name="Shape 50"/>
+        <p:cNvPr id="1" name="Shape 55"/>
         <p:cNvGrpSpPr/>
         <p:nvPr/>
       </p:nvGrpSpPr>
@@ -2761,7 +2765,7 @@
       </p:grpSpPr>
       <p:sp>
         <p:nvSpPr>
-          <p:cNvPr id="51" name="Google Shape;51;p2:notes"/>
+          <p:cNvPr id="56" name="Google Shape;56;p3:notes"/>
           <p:cNvSpPr txBox="1">
             <a:spLocks noGrp="1"/>
           </p:cNvSpPr>
@@ -2793,13 +2797,135 @@
               </a:spcAft>
               <a:buNone/>
             </a:pPr>
-            <a:endParaRPr/>
+            <a:endParaRPr dirty="0"/>
           </a:p>
         </p:txBody>
       </p:sp>
       <p:sp>
         <p:nvSpPr>
-          <p:cNvPr id="52" name="Google Shape;52;p2:notes"/>
+          <p:cNvPr id="57" name="Google Shape;57;p3:notes"/>
+          <p:cNvSpPr>
+            <a:spLocks noGrp="1" noRot="1" noChangeAspect="1"/>
+          </p:cNvSpPr>
+          <p:nvPr>
+            <p:ph type="sldImg" idx="2"/>
+          </p:nvPr>
+        </p:nvSpPr>
+        <p:spPr>
+          <a:xfrm>
+            <a:off x="381000" y="685800"/>
+            <a:ext cx="6096000" cy="3429000"/>
+          </a:xfrm>
+          <a:custGeom>
+            <a:avLst/>
+            <a:gdLst/>
+            <a:ahLst/>
+            <a:cxnLst/>
+            <a:rect l="l" t="t" r="r" b="b"/>
+            <a:pathLst>
+              <a:path w="120000" h="120000" extrusionOk="0">
+                <a:moveTo>
+                  <a:pt x="0" y="0"/>
+                </a:moveTo>
+                <a:lnTo>
+                  <a:pt x="120000" y="0"/>
+                </a:lnTo>
+                <a:lnTo>
+                  <a:pt x="120000" y="120000"/>
+                </a:lnTo>
+                <a:lnTo>
+                  <a:pt x="0" y="120000"/>
+                </a:lnTo>
+                <a:close/>
+              </a:path>
+            </a:pathLst>
+          </a:custGeom>
+        </p:spPr>
+      </p:sp>
+    </p:spTree>
+  </p:cSld>
+  <p:clrMapOvr>
+    <a:masterClrMapping/>
+  </p:clrMapOvr>
+</p:notes>
+</file>
+
+<file path=ppt/notesSlides/notesSlide27.xml><?xml version="1.0" encoding="utf-8"?>
+<p:notes xmlns:a="http://schemas.openxmlformats.org/drawingml/2006/main" xmlns:r="http://schemas.openxmlformats.org/officeDocument/2006/relationships" xmlns:p="http://schemas.openxmlformats.org/presentationml/2006/main" showMasterSp="0" showMasterPhAnim="0">
+  <p:cSld>
+    <p:spTree>
+      <p:nvGrpSpPr>
+        <p:cNvPr id="1" name="Shape 55">
+          <a:extLst>
+            <a:ext uri="{FF2B5EF4-FFF2-40B4-BE49-F238E27FC236}">
+              <a16:creationId xmlns:a16="http://schemas.microsoft.com/office/drawing/2014/main" id="{D6B3B3F2-DE46-C7B2-CFE9-997F9F228EE3}"/>
+            </a:ext>
+          </a:extLst>
+        </p:cNvPr>
+        <p:cNvGrpSpPr/>
+        <p:nvPr/>
+      </p:nvGrpSpPr>
+      <p:grpSpPr>
+        <a:xfrm>
+          <a:off x="0" y="0"/>
+          <a:ext cx="0" cy="0"/>
+          <a:chOff x="0" y="0"/>
+          <a:chExt cx="0" cy="0"/>
+        </a:xfrm>
+      </p:grpSpPr>
+      <p:sp>
+        <p:nvSpPr>
+          <p:cNvPr id="56" name="Google Shape;56;p3:notes">
+            <a:extLst>
+              <a:ext uri="{FF2B5EF4-FFF2-40B4-BE49-F238E27FC236}">
+                <a16:creationId xmlns:a16="http://schemas.microsoft.com/office/drawing/2014/main" id="{8C77C5BC-6B97-E069-A451-DD80F398DAA3}"/>
+              </a:ext>
+            </a:extLst>
+          </p:cNvPr>
+          <p:cNvSpPr txBox="1">
+            <a:spLocks noGrp="1"/>
+          </p:cNvSpPr>
+          <p:nvPr>
+            <p:ph type="body" idx="1"/>
+          </p:nvPr>
+        </p:nvSpPr>
+        <p:spPr>
+          <a:xfrm>
+            <a:off x="685800" y="4343400"/>
+            <a:ext cx="5486400" cy="4114800"/>
+          </a:xfrm>
+          <a:prstGeom prst="rect">
+            <a:avLst/>
+          </a:prstGeom>
+        </p:spPr>
+        <p:txBody>
+          <a:bodyPr spcFirstLastPara="1" wrap="square" lIns="91425" tIns="91425" rIns="91425" bIns="91425" anchor="t" anchorCtr="0">
+            <a:noAutofit/>
+          </a:bodyPr>
+          <a:lstStyle/>
+          <a:p>
+            <a:pPr marL="0" lvl="0" indent="0" algn="l" rtl="0">
+              <a:spcBef>
+                <a:spcPts val="0"/>
+              </a:spcBef>
+              <a:spcAft>
+                <a:spcPts val="0"/>
+              </a:spcAft>
+              <a:buNone/>
+            </a:pPr>
+            <a:endParaRPr/>
+          </a:p>
+        </p:txBody>
+      </p:sp>
+      <p:sp>
+        <p:nvSpPr>
+          <p:cNvPr id="57" name="Google Shape;57;p3:notes">
+            <a:extLst>
+              <a:ext uri="{FF2B5EF4-FFF2-40B4-BE49-F238E27FC236}">
+                <a16:creationId xmlns:a16="http://schemas.microsoft.com/office/drawing/2014/main" id="{FAC649DA-DF07-795D-7751-579ECEEB442C}"/>
+              </a:ext>
+            </a:extLst>
+          </p:cNvPr>
           <p:cNvSpPr>
             <a:spLocks noGrp="1" noRot="1" noChangeAspect="1"/>
           </p:cNvSpPr>
@@ -2841,7 +2967,261 @@
     </p:spTree>
     <p:extLst>
       <p:ext uri="{BB962C8B-B14F-4D97-AF65-F5344CB8AC3E}">
-        <p14:creationId xmlns:p14="http://schemas.microsoft.com/office/powerpoint/2010/main" val="1357793051"/>
+        <p14:creationId xmlns:p14="http://schemas.microsoft.com/office/powerpoint/2010/main" val="309022359"/>
+      </p:ext>
+    </p:extLst>
+  </p:cSld>
+  <p:clrMapOvr>
+    <a:masterClrMapping/>
+  </p:clrMapOvr>
+</p:notes>
+</file>
+
+<file path=ppt/notesSlides/notesSlide28.xml><?xml version="1.0" encoding="utf-8"?>
+<p:notes xmlns:a="http://schemas.openxmlformats.org/drawingml/2006/main" xmlns:r="http://schemas.openxmlformats.org/officeDocument/2006/relationships" xmlns:p="http://schemas.openxmlformats.org/presentationml/2006/main" showMasterSp="0" showMasterPhAnim="0">
+  <p:cSld>
+    <p:spTree>
+      <p:nvGrpSpPr>
+        <p:cNvPr id="1" name="Shape 55">
+          <a:extLst>
+            <a:ext uri="{FF2B5EF4-FFF2-40B4-BE49-F238E27FC236}">
+              <a16:creationId xmlns:a16="http://schemas.microsoft.com/office/drawing/2014/main" id="{04E6EA5D-0400-F5BD-0498-E5BF230AB67F}"/>
+            </a:ext>
+          </a:extLst>
+        </p:cNvPr>
+        <p:cNvGrpSpPr/>
+        <p:nvPr/>
+      </p:nvGrpSpPr>
+      <p:grpSpPr>
+        <a:xfrm>
+          <a:off x="0" y="0"/>
+          <a:ext cx="0" cy="0"/>
+          <a:chOff x="0" y="0"/>
+          <a:chExt cx="0" cy="0"/>
+        </a:xfrm>
+      </p:grpSpPr>
+      <p:sp>
+        <p:nvSpPr>
+          <p:cNvPr id="56" name="Google Shape;56;p3:notes">
+            <a:extLst>
+              <a:ext uri="{FF2B5EF4-FFF2-40B4-BE49-F238E27FC236}">
+                <a16:creationId xmlns:a16="http://schemas.microsoft.com/office/drawing/2014/main" id="{6CE798A6-277A-6003-0024-4C83CE305020}"/>
+              </a:ext>
+            </a:extLst>
+          </p:cNvPr>
+          <p:cNvSpPr txBox="1">
+            <a:spLocks noGrp="1"/>
+          </p:cNvSpPr>
+          <p:nvPr>
+            <p:ph type="body" idx="1"/>
+          </p:nvPr>
+        </p:nvSpPr>
+        <p:spPr>
+          <a:xfrm>
+            <a:off x="685800" y="4343400"/>
+            <a:ext cx="5486400" cy="4114800"/>
+          </a:xfrm>
+          <a:prstGeom prst="rect">
+            <a:avLst/>
+          </a:prstGeom>
+        </p:spPr>
+        <p:txBody>
+          <a:bodyPr spcFirstLastPara="1" wrap="square" lIns="91425" tIns="91425" rIns="91425" bIns="91425" anchor="t" anchorCtr="0">
+            <a:noAutofit/>
+          </a:bodyPr>
+          <a:lstStyle/>
+          <a:p>
+            <a:pPr marL="0" lvl="0" indent="0" algn="l" rtl="0">
+              <a:spcBef>
+                <a:spcPts val="0"/>
+              </a:spcBef>
+              <a:spcAft>
+                <a:spcPts val="0"/>
+              </a:spcAft>
+              <a:buNone/>
+            </a:pPr>
+            <a:endParaRPr dirty="0"/>
+          </a:p>
+        </p:txBody>
+      </p:sp>
+      <p:sp>
+        <p:nvSpPr>
+          <p:cNvPr id="57" name="Google Shape;57;p3:notes">
+            <a:extLst>
+              <a:ext uri="{FF2B5EF4-FFF2-40B4-BE49-F238E27FC236}">
+                <a16:creationId xmlns:a16="http://schemas.microsoft.com/office/drawing/2014/main" id="{E769C7C1-EA5C-6023-0D8F-B2DF412EF765}"/>
+              </a:ext>
+            </a:extLst>
+          </p:cNvPr>
+          <p:cNvSpPr>
+            <a:spLocks noGrp="1" noRot="1" noChangeAspect="1"/>
+          </p:cNvSpPr>
+          <p:nvPr>
+            <p:ph type="sldImg" idx="2"/>
+          </p:nvPr>
+        </p:nvSpPr>
+        <p:spPr>
+          <a:xfrm>
+            <a:off x="381000" y="685800"/>
+            <a:ext cx="6096000" cy="3429000"/>
+          </a:xfrm>
+          <a:custGeom>
+            <a:avLst/>
+            <a:gdLst/>
+            <a:ahLst/>
+            <a:cxnLst/>
+            <a:rect l="l" t="t" r="r" b="b"/>
+            <a:pathLst>
+              <a:path w="120000" h="120000" extrusionOk="0">
+                <a:moveTo>
+                  <a:pt x="0" y="0"/>
+                </a:moveTo>
+                <a:lnTo>
+                  <a:pt x="120000" y="0"/>
+                </a:lnTo>
+                <a:lnTo>
+                  <a:pt x="120000" y="120000"/>
+                </a:lnTo>
+                <a:lnTo>
+                  <a:pt x="0" y="120000"/>
+                </a:lnTo>
+                <a:close/>
+              </a:path>
+            </a:pathLst>
+          </a:custGeom>
+        </p:spPr>
+      </p:sp>
+    </p:spTree>
+    <p:extLst>
+      <p:ext uri="{BB962C8B-B14F-4D97-AF65-F5344CB8AC3E}">
+        <p14:creationId xmlns:p14="http://schemas.microsoft.com/office/powerpoint/2010/main" val="1847837592"/>
+      </p:ext>
+    </p:extLst>
+  </p:cSld>
+  <p:clrMapOvr>
+    <a:masterClrMapping/>
+  </p:clrMapOvr>
+</p:notes>
+</file>
+
+<file path=ppt/notesSlides/notesSlide29.xml><?xml version="1.0" encoding="utf-8"?>
+<p:notes xmlns:a="http://schemas.openxmlformats.org/drawingml/2006/main" xmlns:r="http://schemas.openxmlformats.org/officeDocument/2006/relationships" xmlns:p="http://schemas.openxmlformats.org/presentationml/2006/main" showMasterSp="0" showMasterPhAnim="0">
+  <p:cSld>
+    <p:spTree>
+      <p:nvGrpSpPr>
+        <p:cNvPr id="1" name="Shape 55">
+          <a:extLst>
+            <a:ext uri="{FF2B5EF4-FFF2-40B4-BE49-F238E27FC236}">
+              <a16:creationId xmlns:a16="http://schemas.microsoft.com/office/drawing/2014/main" id="{E5C8508F-CF04-6BE4-F64A-03EBCADA07F6}"/>
+            </a:ext>
+          </a:extLst>
+        </p:cNvPr>
+        <p:cNvGrpSpPr/>
+        <p:nvPr/>
+      </p:nvGrpSpPr>
+      <p:grpSpPr>
+        <a:xfrm>
+          <a:off x="0" y="0"/>
+          <a:ext cx="0" cy="0"/>
+          <a:chOff x="0" y="0"/>
+          <a:chExt cx="0" cy="0"/>
+        </a:xfrm>
+      </p:grpSpPr>
+      <p:sp>
+        <p:nvSpPr>
+          <p:cNvPr id="56" name="Google Shape;56;p3:notes">
+            <a:extLst>
+              <a:ext uri="{FF2B5EF4-FFF2-40B4-BE49-F238E27FC236}">
+                <a16:creationId xmlns:a16="http://schemas.microsoft.com/office/drawing/2014/main" id="{5C61A3EC-69BD-C8DA-D111-5C4A7619C6FA}"/>
+              </a:ext>
+            </a:extLst>
+          </p:cNvPr>
+          <p:cNvSpPr txBox="1">
+            <a:spLocks noGrp="1"/>
+          </p:cNvSpPr>
+          <p:nvPr>
+            <p:ph type="body" idx="1"/>
+          </p:nvPr>
+        </p:nvSpPr>
+        <p:spPr>
+          <a:xfrm>
+            <a:off x="685800" y="4343400"/>
+            <a:ext cx="5486400" cy="4114800"/>
+          </a:xfrm>
+          <a:prstGeom prst="rect">
+            <a:avLst/>
+          </a:prstGeom>
+        </p:spPr>
+        <p:txBody>
+          <a:bodyPr spcFirstLastPara="1" wrap="square" lIns="91425" tIns="91425" rIns="91425" bIns="91425" anchor="t" anchorCtr="0">
+            <a:noAutofit/>
+          </a:bodyPr>
+          <a:lstStyle/>
+          <a:p>
+            <a:pPr marL="0" lvl="0" indent="0" algn="l" rtl="0">
+              <a:spcBef>
+                <a:spcPts val="0"/>
+              </a:spcBef>
+              <a:spcAft>
+                <a:spcPts val="0"/>
+              </a:spcAft>
+              <a:buNone/>
+            </a:pPr>
+            <a:endParaRPr/>
+          </a:p>
+        </p:txBody>
+      </p:sp>
+      <p:sp>
+        <p:nvSpPr>
+          <p:cNvPr id="57" name="Google Shape;57;p3:notes">
+            <a:extLst>
+              <a:ext uri="{FF2B5EF4-FFF2-40B4-BE49-F238E27FC236}">
+                <a16:creationId xmlns:a16="http://schemas.microsoft.com/office/drawing/2014/main" id="{9DC1C8DA-35BF-A772-72DA-CD40E86AE480}"/>
+              </a:ext>
+            </a:extLst>
+          </p:cNvPr>
+          <p:cNvSpPr>
+            <a:spLocks noGrp="1" noRot="1" noChangeAspect="1"/>
+          </p:cNvSpPr>
+          <p:nvPr>
+            <p:ph type="sldImg" idx="2"/>
+          </p:nvPr>
+        </p:nvSpPr>
+        <p:spPr>
+          <a:xfrm>
+            <a:off x="381000" y="685800"/>
+            <a:ext cx="6096000" cy="3429000"/>
+          </a:xfrm>
+          <a:custGeom>
+            <a:avLst/>
+            <a:gdLst/>
+            <a:ahLst/>
+            <a:cxnLst/>
+            <a:rect l="l" t="t" r="r" b="b"/>
+            <a:pathLst>
+              <a:path w="120000" h="120000" extrusionOk="0">
+                <a:moveTo>
+                  <a:pt x="0" y="0"/>
+                </a:moveTo>
+                <a:lnTo>
+                  <a:pt x="120000" y="0"/>
+                </a:lnTo>
+                <a:lnTo>
+                  <a:pt x="120000" y="120000"/>
+                </a:lnTo>
+                <a:lnTo>
+                  <a:pt x="0" y="120000"/>
+                </a:lnTo>
+                <a:close/>
+              </a:path>
+            </a:pathLst>
+          </a:custGeom>
+        </p:spPr>
+      </p:sp>
+    </p:spTree>
+    <p:extLst>
+      <p:ext uri="{BB962C8B-B14F-4D97-AF65-F5344CB8AC3E}">
+        <p14:creationId xmlns:p14="http://schemas.microsoft.com/office/powerpoint/2010/main" val="3574720562"/>
       </p:ext>
     </p:extLst>
   </p:cSld>
@@ -2948,6 +3328,115 @@
         </p:spPr>
       </p:sp>
     </p:spTree>
+  </p:cSld>
+  <p:clrMapOvr>
+    <a:masterClrMapping/>
+  </p:clrMapOvr>
+</p:notes>
+</file>
+
+<file path=ppt/notesSlides/notesSlide30.xml><?xml version="1.0" encoding="utf-8"?>
+<p:notes xmlns:a="http://schemas.openxmlformats.org/drawingml/2006/main" xmlns:r="http://schemas.openxmlformats.org/officeDocument/2006/relationships" xmlns:p="http://schemas.openxmlformats.org/presentationml/2006/main" showMasterSp="0" showMasterPhAnim="0">
+  <p:cSld>
+    <p:spTree>
+      <p:nvGrpSpPr>
+        <p:cNvPr id="1" name="Shape 50"/>
+        <p:cNvGrpSpPr/>
+        <p:nvPr/>
+      </p:nvGrpSpPr>
+      <p:grpSpPr>
+        <a:xfrm>
+          <a:off x="0" y="0"/>
+          <a:ext cx="0" cy="0"/>
+          <a:chOff x="0" y="0"/>
+          <a:chExt cx="0" cy="0"/>
+        </a:xfrm>
+      </p:grpSpPr>
+      <p:sp>
+        <p:nvSpPr>
+          <p:cNvPr id="51" name="Google Shape;51;p2:notes"/>
+          <p:cNvSpPr txBox="1">
+            <a:spLocks noGrp="1"/>
+          </p:cNvSpPr>
+          <p:nvPr>
+            <p:ph type="body" idx="1"/>
+          </p:nvPr>
+        </p:nvSpPr>
+        <p:spPr>
+          <a:xfrm>
+            <a:off x="685800" y="4343400"/>
+            <a:ext cx="5486400" cy="4114800"/>
+          </a:xfrm>
+          <a:prstGeom prst="rect">
+            <a:avLst/>
+          </a:prstGeom>
+        </p:spPr>
+        <p:txBody>
+          <a:bodyPr spcFirstLastPara="1" wrap="square" lIns="91425" tIns="91425" rIns="91425" bIns="91425" anchor="t" anchorCtr="0">
+            <a:noAutofit/>
+          </a:bodyPr>
+          <a:lstStyle/>
+          <a:p>
+            <a:pPr marL="0" lvl="0" indent="0" algn="l" rtl="0">
+              <a:spcBef>
+                <a:spcPts val="0"/>
+              </a:spcBef>
+              <a:spcAft>
+                <a:spcPts val="0"/>
+              </a:spcAft>
+              <a:buNone/>
+            </a:pPr>
+            <a:endParaRPr/>
+          </a:p>
+        </p:txBody>
+      </p:sp>
+      <p:sp>
+        <p:nvSpPr>
+          <p:cNvPr id="52" name="Google Shape;52;p2:notes"/>
+          <p:cNvSpPr>
+            <a:spLocks noGrp="1" noRot="1" noChangeAspect="1"/>
+          </p:cNvSpPr>
+          <p:nvPr>
+            <p:ph type="sldImg" idx="2"/>
+          </p:nvPr>
+        </p:nvSpPr>
+        <p:spPr>
+          <a:xfrm>
+            <a:off x="381000" y="685800"/>
+            <a:ext cx="6096000" cy="3429000"/>
+          </a:xfrm>
+          <a:custGeom>
+            <a:avLst/>
+            <a:gdLst/>
+            <a:ahLst/>
+            <a:cxnLst/>
+            <a:rect l="l" t="t" r="r" b="b"/>
+            <a:pathLst>
+              <a:path w="120000" h="120000" extrusionOk="0">
+                <a:moveTo>
+                  <a:pt x="0" y="0"/>
+                </a:moveTo>
+                <a:lnTo>
+                  <a:pt x="120000" y="0"/>
+                </a:lnTo>
+                <a:lnTo>
+                  <a:pt x="120000" y="120000"/>
+                </a:lnTo>
+                <a:lnTo>
+                  <a:pt x="0" y="120000"/>
+                </a:lnTo>
+                <a:close/>
+              </a:path>
+            </a:pathLst>
+          </a:custGeom>
+        </p:spPr>
+      </p:sp>
+    </p:spTree>
+    <p:extLst>
+      <p:ext uri="{BB962C8B-B14F-4D97-AF65-F5344CB8AC3E}">
+        <p14:creationId xmlns:p14="http://schemas.microsoft.com/office/powerpoint/2010/main" val="1357793051"/>
+      </p:ext>
+    </p:extLst>
   </p:cSld>
   <p:clrMapOvr>
     <a:masterClrMapping/>
@@ -14514,10 +15003,18 @@
           <a:lstStyle/>
           <a:p>
             <a:r>
-              <a:rPr lang="en-US" altLang="ko-KR" sz="1800" b="1" dirty="0"/>
+              <a:rPr lang="en-US" altLang="ko-KR" sz="1800" b="1" dirty="0">
+                <a:solidFill>
+                  <a:srgbClr val="0000FF"/>
+                </a:solidFill>
+              </a:rPr>
               <a:t>Test Code</a:t>
             </a:r>
-            <a:endParaRPr lang="ko-KR" altLang="en-US" sz="1800" b="1" dirty="0"/>
+            <a:endParaRPr lang="ko-KR" altLang="en-US" sz="1800" b="1" dirty="0">
+              <a:solidFill>
+                <a:srgbClr val="0000FF"/>
+              </a:solidFill>
+            </a:endParaRPr>
           </a:p>
         </p:txBody>
       </p:sp>
@@ -14550,10 +15047,18 @@
           <a:lstStyle/>
           <a:p>
             <a:r>
-              <a:rPr lang="en-US" altLang="ko-KR" sz="1800" b="1" dirty="0"/>
+              <a:rPr lang="en-US" altLang="ko-KR" sz="1800" b="1" dirty="0">
+                <a:solidFill>
+                  <a:srgbClr val="0000FF"/>
+                </a:solidFill>
+              </a:rPr>
               <a:t>Code</a:t>
             </a:r>
-            <a:endParaRPr lang="ko-KR" altLang="en-US" sz="1800" b="1" dirty="0"/>
+            <a:endParaRPr lang="ko-KR" altLang="en-US" sz="1800" b="1" dirty="0">
+              <a:solidFill>
+                <a:srgbClr val="0000FF"/>
+              </a:solidFill>
+            </a:endParaRPr>
           </a:p>
         </p:txBody>
       </p:sp>
@@ -15806,7 +16311,11 @@
           <a:lstStyle/>
           <a:p>
             <a:r>
-              <a:rPr lang="en-US" altLang="ko-KR" sz="1800" b="1" dirty="0"/>
+              <a:rPr lang="en-US" altLang="ko-KR" sz="1800" b="1" dirty="0">
+                <a:solidFill>
+                  <a:srgbClr val="0000FF"/>
+                </a:solidFill>
+              </a:rPr>
               <a:t>Test Code</a:t>
             </a:r>
           </a:p>
@@ -15841,10 +16350,18 @@
           <a:lstStyle/>
           <a:p>
             <a:r>
-              <a:rPr lang="en-US" altLang="ko-KR" sz="1800" b="1" dirty="0"/>
+              <a:rPr lang="en-US" altLang="ko-KR" sz="1800" b="1" dirty="0">
+                <a:solidFill>
+                  <a:srgbClr val="0000FF"/>
+                </a:solidFill>
+              </a:rPr>
               <a:t>Refactor</a:t>
             </a:r>
-            <a:endParaRPr lang="ko-KR" altLang="en-US" sz="1800" b="1" dirty="0"/>
+            <a:endParaRPr lang="ko-KR" altLang="en-US" sz="1800" b="1" dirty="0">
+              <a:solidFill>
+                <a:srgbClr val="0000FF"/>
+              </a:solidFill>
+            </a:endParaRPr>
           </a:p>
         </p:txBody>
       </p:sp>
@@ -19208,50 +19725,6 @@
           </a:prstGeom>
         </p:spPr>
       </p:pic>
-      <p:sp>
-        <p:nvSpPr>
-          <p:cNvPr id="4" name="TextBox 3">
-            <a:extLst>
-              <a:ext uri="{FF2B5EF4-FFF2-40B4-BE49-F238E27FC236}">
-                <a16:creationId xmlns:a16="http://schemas.microsoft.com/office/drawing/2014/main" id="{282FA35B-1FCD-91A3-BFEB-13BF01F9BC6D}"/>
-              </a:ext>
-            </a:extLst>
-          </p:cNvPr>
-          <p:cNvSpPr txBox="1"/>
-          <p:nvPr/>
-        </p:nvSpPr>
-        <p:spPr>
-          <a:xfrm>
-            <a:off x="6097297" y="2720022"/>
-            <a:ext cx="2763898" cy="307777"/>
-          </a:xfrm>
-          <a:prstGeom prst="rect">
-            <a:avLst/>
-          </a:prstGeom>
-          <a:noFill/>
-        </p:spPr>
-        <p:txBody>
-          <a:bodyPr wrap="none" rtlCol="0">
-            <a:spAutoFit/>
-          </a:bodyPr>
-          <a:lstStyle/>
-          <a:p>
-            <a:r>
-              <a:rPr lang="en-US" altLang="ko-KR" dirty="0" err="1"/>
-              <a:t>Github</a:t>
-            </a:r>
-            <a:r>
-              <a:rPr lang="en-US" altLang="ko-KR" dirty="0"/>
-              <a:t> pr all closed </a:t>
-            </a:r>
-            <a:r>
-              <a:rPr lang="ko-KR" altLang="en-US" dirty="0"/>
-              <a:t>후 캡쳐 추가</a:t>
-            </a:r>
-            <a:endParaRPr lang="en-US" altLang="ko-KR" dirty="0"/>
-          </a:p>
-        </p:txBody>
-      </p:sp>
       <p:pic>
         <p:nvPicPr>
           <p:cNvPr id="6" name="그림 5">
@@ -19274,7 +19747,7 @@
         </p:blipFill>
         <p:spPr>
           <a:xfrm>
-            <a:off x="5549930" y="3891407"/>
+            <a:off x="5549930" y="4381277"/>
             <a:ext cx="6565333" cy="2460901"/>
           </a:xfrm>
           <a:prstGeom prst="rect">
@@ -19296,7 +19769,7 @@
         </p:nvSpPr>
         <p:spPr>
           <a:xfrm>
-            <a:off x="5508828" y="3583630"/>
+            <a:off x="5508828" y="4073500"/>
             <a:ext cx="3892412" cy="307777"/>
           </a:xfrm>
           <a:prstGeom prst="rect">
@@ -19344,7 +19817,7 @@
         </p:nvSpPr>
         <p:spPr>
           <a:xfrm>
-            <a:off x="5621950" y="4745787"/>
+            <a:off x="5621950" y="5235657"/>
             <a:ext cx="6400332" cy="1512276"/>
           </a:xfrm>
           <a:prstGeom prst="rect">
@@ -19435,10 +19908,10 @@
       </p:sp>
       <p:pic>
         <p:nvPicPr>
-          <p:cNvPr id="11" name="그림 10">
+          <p:cNvPr id="5" name="그림 4">
             <a:extLst>
               <a:ext uri="{FF2B5EF4-FFF2-40B4-BE49-F238E27FC236}">
-                <a16:creationId xmlns:a16="http://schemas.microsoft.com/office/drawing/2014/main" id="{7DC865CC-E9B9-4B68-9FB5-8181E8E11436}"/>
+                <a16:creationId xmlns:a16="http://schemas.microsoft.com/office/drawing/2014/main" id="{C8BBEFA7-56A9-4F69-9F83-6AEF2DADDABF}"/>
               </a:ext>
             </a:extLst>
           </p:cNvPr>
@@ -19455,8 +19928,38 @@
         </p:blipFill>
         <p:spPr>
           <a:xfrm>
-            <a:off x="5545040" y="1561140"/>
-            <a:ext cx="6570223" cy="1688257"/>
+            <a:off x="5549930" y="1077455"/>
+            <a:ext cx="2381250" cy="2996045"/>
+          </a:xfrm>
+          <a:prstGeom prst="rect">
+            <a:avLst/>
+          </a:prstGeom>
+        </p:spPr>
+      </p:pic>
+      <p:pic>
+        <p:nvPicPr>
+          <p:cNvPr id="12" name="그림 11">
+            <a:extLst>
+              <a:ext uri="{FF2B5EF4-FFF2-40B4-BE49-F238E27FC236}">
+                <a16:creationId xmlns:a16="http://schemas.microsoft.com/office/drawing/2014/main" id="{F2CF389D-B38C-41A4-879D-7F61E0E0695B}"/>
+              </a:ext>
+            </a:extLst>
+          </p:cNvPr>
+          <p:cNvPicPr>
+            <a:picLocks noChangeAspect="1"/>
+          </p:cNvPicPr>
+          <p:nvPr/>
+        </p:nvPicPr>
+        <p:blipFill>
+          <a:blip r:embed="rId6"/>
+          <a:stretch>
+            <a:fillRect/>
+          </a:stretch>
+        </p:blipFill>
+        <p:spPr>
+          <a:xfrm>
+            <a:off x="7999264" y="1077455"/>
+            <a:ext cx="4023018" cy="2996045"/>
           </a:xfrm>
           <a:prstGeom prst="rect">
             <a:avLst/>
@@ -20549,7 +21052,7 @@
   <p:cSld>
     <p:spTree>
       <p:nvGrpSpPr>
-        <p:cNvPr id="1" name="Shape 53"/>
+        <p:cNvPr id="1" name="Shape 58"/>
         <p:cNvGrpSpPr/>
         <p:nvPr/>
       </p:nvGrpSpPr>
@@ -20563,18 +21066,18 @@
       </p:grpSpPr>
       <p:sp>
         <p:nvSpPr>
-          <p:cNvPr id="54" name="Google Shape;54;p2"/>
+          <p:cNvPr id="59" name="Google Shape;59;p3"/>
           <p:cNvSpPr txBox="1">
             <a:spLocks noGrp="1"/>
           </p:cNvSpPr>
           <p:nvPr>
-            <p:ph type="body" idx="1"/>
+            <p:ph type="title"/>
           </p:nvPr>
         </p:nvSpPr>
         <p:spPr>
           <a:xfrm>
-            <a:off x="1632000" y="1860184"/>
-            <a:ext cx="8928000" cy="2533083"/>
+            <a:off x="605980" y="310143"/>
+            <a:ext cx="10515600" cy="649800"/>
           </a:xfrm>
           <a:prstGeom prst="rect">
             <a:avLst/>
@@ -20585,12 +21088,12 @@
           </a:ln>
         </p:spPr>
         <p:txBody>
-          <a:bodyPr spcFirstLastPara="1" wrap="square" lIns="0" tIns="45700" rIns="91425" bIns="45700" anchor="ctr" anchorCtr="0">
-            <a:noAutofit/>
+          <a:bodyPr spcFirstLastPara="1" wrap="square" lIns="91425" tIns="45700" rIns="91425" bIns="45700" anchor="ctr" anchorCtr="0">
+            <a:normAutofit fontScale="90000"/>
           </a:bodyPr>
           <a:lstStyle/>
           <a:p>
-            <a:pPr marL="0" lvl="0" indent="0" algn="ctr" rtl="0">
+            <a:pPr marL="0" lvl="0" indent="0" algn="l" rtl="0">
               <a:lnSpc>
                 <a:spcPct val="90000"/>
               </a:lnSpc>
@@ -20603,25 +21106,2105 @@
               <a:buClr>
                 <a:schemeClr val="dk1"/>
               </a:buClr>
-              <a:buSzPts val="3200"/>
+              <a:buSzPts val="4400"/>
+              <a:buFont typeface="Malgun Gothic"/>
               <a:buNone/>
             </a:pPr>
             <a:r>
               <a:rPr lang="ko-KR" altLang="en-US" dirty="0"/>
-              <a:t>감사합니다</a:t>
+              <a:t>시연 시나리오 </a:t>
             </a:r>
             <a:r>
               <a:rPr lang="en-US" altLang="ko-KR" dirty="0"/>
-              <a:t>.</a:t>
+              <a:t>– SSD &amp; Buffer</a:t>
             </a:r>
             <a:endParaRPr dirty="0"/>
+          </a:p>
+        </p:txBody>
+      </p:sp>
+      <p:sp>
+        <p:nvSpPr>
+          <p:cNvPr id="60" name="Google Shape;60;p3"/>
+          <p:cNvSpPr txBox="1">
+            <a:spLocks noGrp="1"/>
+          </p:cNvSpPr>
+          <p:nvPr>
+            <p:ph type="body" idx="1"/>
+          </p:nvPr>
+        </p:nvSpPr>
+        <p:spPr>
+          <a:xfrm>
+            <a:off x="605980" y="1316376"/>
+            <a:ext cx="10515600" cy="3111786"/>
+          </a:xfrm>
+          <a:prstGeom prst="rect">
+            <a:avLst/>
+          </a:prstGeom>
+          <a:noFill/>
+          <a:ln>
+            <a:noFill/>
+          </a:ln>
+        </p:spPr>
+        <p:txBody>
+          <a:bodyPr spcFirstLastPara="1" wrap="square" lIns="91425" tIns="45700" rIns="91425" bIns="45700" anchor="t" anchorCtr="0">
+            <a:normAutofit/>
+          </a:bodyPr>
+          <a:lstStyle/>
+          <a:p>
+            <a:pPr marL="228600" lvl="0" indent="-50800">
+              <a:spcBef>
+                <a:spcPts val="0"/>
+              </a:spcBef>
+              <a:buSzPts val="2800"/>
+              <a:buNone/>
+            </a:pPr>
+            <a:r>
+              <a:rPr lang="pt-BR" dirty="0"/>
+              <a:t>1 python ssd.py W 20 0x1289CDEF</a:t>
+            </a:r>
+          </a:p>
+          <a:p>
+            <a:pPr marL="228600" lvl="0" indent="-50800">
+              <a:spcBef>
+                <a:spcPts val="0"/>
+              </a:spcBef>
+              <a:buSzPts val="2800"/>
+              <a:buNone/>
+            </a:pPr>
+            <a:r>
+              <a:rPr lang="pt-BR" dirty="0"/>
+              <a:t>	2 python </a:t>
+            </a:r>
+            <a:r>
+              <a:rPr lang="pt-BR" altLang="ko-KR" dirty="0"/>
+              <a:t>ssd.py </a:t>
+            </a:r>
+            <a:r>
+              <a:rPr lang="pt-BR" dirty="0"/>
+              <a:t>R 20			0x1289CDEF</a:t>
+            </a:r>
+          </a:p>
+          <a:p>
+            <a:pPr marL="228600" lvl="0" indent="-50800">
+              <a:spcBef>
+                <a:spcPts val="0"/>
+              </a:spcBef>
+              <a:buSzPts val="2800"/>
+              <a:buNone/>
+            </a:pPr>
+            <a:r>
+              <a:rPr lang="pt-BR" dirty="0"/>
+              <a:t>	3 python </a:t>
+            </a:r>
+            <a:r>
+              <a:rPr lang="pt-BR" altLang="ko-KR" dirty="0"/>
+              <a:t>ssd.py </a:t>
+            </a:r>
+            <a:r>
+              <a:rPr lang="pt-BR" dirty="0"/>
+              <a:t>R 19 			0x00000000 (</a:t>
+            </a:r>
+            <a:r>
+              <a:rPr lang="ko-KR" altLang="en-US" dirty="0"/>
+              <a:t>초기값</a:t>
+            </a:r>
+            <a:r>
+              <a:rPr lang="en-US" altLang="ko-KR" dirty="0"/>
+              <a:t>)</a:t>
+            </a:r>
+            <a:endParaRPr lang="pt-BR" dirty="0"/>
+          </a:p>
+          <a:p>
+            <a:pPr marL="228600" lvl="0" indent="-50800">
+              <a:spcBef>
+                <a:spcPts val="0"/>
+              </a:spcBef>
+              <a:buSzPts val="2800"/>
+              <a:buNone/>
+            </a:pPr>
+            <a:r>
+              <a:rPr lang="pt-BR" dirty="0"/>
+              <a:t>	4 python </a:t>
+            </a:r>
+            <a:r>
+              <a:rPr lang="pt-BR" altLang="ko-KR" dirty="0"/>
+              <a:t>ssd.py </a:t>
+            </a:r>
+            <a:r>
+              <a:rPr lang="pt-BR" dirty="0"/>
+              <a:t>W 10 0xFF1100AA</a:t>
+            </a:r>
+          </a:p>
+          <a:p>
+            <a:pPr marL="228600" lvl="0" indent="-50800">
+              <a:spcBef>
+                <a:spcPts val="0"/>
+              </a:spcBef>
+              <a:buSzPts val="2800"/>
+              <a:buNone/>
+            </a:pPr>
+            <a:r>
+              <a:rPr lang="pt-BR" dirty="0"/>
+              <a:t>	5 python </a:t>
+            </a:r>
+            <a:r>
+              <a:rPr lang="pt-BR" altLang="ko-KR" dirty="0"/>
+              <a:t>ssd.py </a:t>
+            </a:r>
+            <a:r>
+              <a:rPr lang="pt-BR" dirty="0"/>
+              <a:t>R 10			0xFF1100AA</a:t>
+            </a:r>
+          </a:p>
+          <a:p>
+            <a:pPr marL="228600" lvl="0" indent="-50800">
+              <a:spcBef>
+                <a:spcPts val="0"/>
+              </a:spcBef>
+              <a:buSzPts val="2800"/>
+              <a:buNone/>
+            </a:pPr>
+            <a:r>
+              <a:rPr lang="pt-BR" dirty="0"/>
+              <a:t>	6 python ssd.py E 10 </a:t>
+            </a:r>
+          </a:p>
+          <a:p>
+            <a:pPr marL="228600" lvl="0" indent="-50800">
+              <a:spcBef>
+                <a:spcPts val="0"/>
+              </a:spcBef>
+              <a:buSzPts val="2800"/>
+              <a:buNone/>
+            </a:pPr>
+            <a:r>
+              <a:rPr lang="pt-BR" dirty="0"/>
+              <a:t>7. python </a:t>
+            </a:r>
+            <a:r>
+              <a:rPr lang="pt-BR" altLang="ko-KR" dirty="0"/>
+              <a:t>ssd.py F </a:t>
+            </a:r>
+            <a:endParaRPr lang="pt-BR" dirty="0"/>
+          </a:p>
+          <a:p>
+            <a:pPr marL="228600" lvl="0" indent="-50800" algn="l" rtl="0">
+              <a:lnSpc>
+                <a:spcPct val="90000"/>
+              </a:lnSpc>
+              <a:spcBef>
+                <a:spcPts val="0"/>
+              </a:spcBef>
+              <a:spcAft>
+                <a:spcPts val="0"/>
+              </a:spcAft>
+              <a:buClr>
+                <a:schemeClr val="dk1"/>
+              </a:buClr>
+              <a:buSzPts val="2800"/>
+              <a:buNone/>
+            </a:pPr>
+            <a:endParaRPr dirty="0"/>
+          </a:p>
+        </p:txBody>
+      </p:sp>
+      <p:pic>
+        <p:nvPicPr>
+          <p:cNvPr id="4" name="그림 3">
+            <a:extLst>
+              <a:ext uri="{FF2B5EF4-FFF2-40B4-BE49-F238E27FC236}">
+                <a16:creationId xmlns:a16="http://schemas.microsoft.com/office/drawing/2014/main" id="{809BD357-0174-ECDD-8C75-2DA8C69C752B}"/>
+              </a:ext>
+            </a:extLst>
+          </p:cNvPr>
+          <p:cNvPicPr>
+            <a:picLocks noChangeAspect="1"/>
+          </p:cNvPicPr>
+          <p:nvPr/>
+        </p:nvPicPr>
+        <p:blipFill>
+          <a:blip r:embed="rId3"/>
+          <a:stretch>
+            <a:fillRect/>
+          </a:stretch>
+        </p:blipFill>
+        <p:spPr>
+          <a:xfrm>
+            <a:off x="9521901" y="4428162"/>
+            <a:ext cx="1873346" cy="1378021"/>
+          </a:xfrm>
+          <a:prstGeom prst="rect">
+            <a:avLst/>
+          </a:prstGeom>
+        </p:spPr>
+      </p:pic>
+    </p:spTree>
+  </p:cSld>
+  <p:clrMapOvr>
+    <a:masterClrMapping/>
+  </p:clrMapOvr>
+</p:sld>
+</file>
+
+<file path=ppt/slides/slide27.xml><?xml version="1.0" encoding="utf-8"?>
+<p:sld xmlns:a="http://schemas.openxmlformats.org/drawingml/2006/main" xmlns:r="http://schemas.openxmlformats.org/officeDocument/2006/relationships" xmlns:p="http://schemas.openxmlformats.org/presentationml/2006/main">
+  <p:cSld>
+    <p:spTree>
+      <p:nvGrpSpPr>
+        <p:cNvPr id="1" name="Shape 58">
+          <a:extLst>
+            <a:ext uri="{FF2B5EF4-FFF2-40B4-BE49-F238E27FC236}">
+              <a16:creationId xmlns:a16="http://schemas.microsoft.com/office/drawing/2014/main" id="{8E2D2B8C-97FC-5A3F-35C0-D579C04DDD69}"/>
+            </a:ext>
+          </a:extLst>
+        </p:cNvPr>
+        <p:cNvGrpSpPr/>
+        <p:nvPr/>
+      </p:nvGrpSpPr>
+      <p:grpSpPr>
+        <a:xfrm>
+          <a:off x="0" y="0"/>
+          <a:ext cx="0" cy="0"/>
+          <a:chOff x="0" y="0"/>
+          <a:chExt cx="0" cy="0"/>
+        </a:xfrm>
+      </p:grpSpPr>
+      <p:sp>
+        <p:nvSpPr>
+          <p:cNvPr id="59" name="Google Shape;59;p3">
+            <a:extLst>
+              <a:ext uri="{FF2B5EF4-FFF2-40B4-BE49-F238E27FC236}">
+                <a16:creationId xmlns:a16="http://schemas.microsoft.com/office/drawing/2014/main" id="{A0015013-7E07-099A-E557-D4B40046B4D2}"/>
+              </a:ext>
+            </a:extLst>
+          </p:cNvPr>
+          <p:cNvSpPr txBox="1">
+            <a:spLocks noGrp="1"/>
+          </p:cNvSpPr>
+          <p:nvPr>
+            <p:ph type="title"/>
+          </p:nvPr>
+        </p:nvSpPr>
+        <p:spPr>
+          <a:xfrm>
+            <a:off x="605980" y="310143"/>
+            <a:ext cx="10515600" cy="649800"/>
+          </a:xfrm>
+          <a:prstGeom prst="rect">
+            <a:avLst/>
+          </a:prstGeom>
+          <a:noFill/>
+          <a:ln>
+            <a:noFill/>
+          </a:ln>
+        </p:spPr>
+        <p:txBody>
+          <a:bodyPr spcFirstLastPara="1" wrap="square" lIns="91425" tIns="45700" rIns="91425" bIns="45700" anchor="ctr" anchorCtr="0">
+            <a:normAutofit fontScale="90000"/>
+          </a:bodyPr>
+          <a:lstStyle/>
+          <a:p>
+            <a:pPr marL="0" lvl="0" indent="0" algn="l" rtl="0">
+              <a:lnSpc>
+                <a:spcPct val="90000"/>
+              </a:lnSpc>
+              <a:spcBef>
+                <a:spcPts val="0"/>
+              </a:spcBef>
+              <a:spcAft>
+                <a:spcPts val="0"/>
+              </a:spcAft>
+              <a:buClr>
+                <a:schemeClr val="dk1"/>
+              </a:buClr>
+              <a:buSzPts val="4400"/>
+              <a:buFont typeface="Malgun Gothic"/>
+              <a:buNone/>
+            </a:pPr>
+            <a:r>
+              <a:rPr lang="ko-KR" altLang="en-US" dirty="0"/>
+              <a:t>시연 시나리오 </a:t>
+            </a:r>
+            <a:r>
+              <a:rPr lang="en-US" altLang="ko-KR" dirty="0"/>
+              <a:t>- Test Shell Application</a:t>
+            </a:r>
+            <a:endParaRPr dirty="0"/>
+          </a:p>
+        </p:txBody>
+      </p:sp>
+      <p:sp>
+        <p:nvSpPr>
+          <p:cNvPr id="60" name="Google Shape;60;p3">
+            <a:extLst>
+              <a:ext uri="{FF2B5EF4-FFF2-40B4-BE49-F238E27FC236}">
+                <a16:creationId xmlns:a16="http://schemas.microsoft.com/office/drawing/2014/main" id="{D45C2ED9-A5DA-5655-BB1D-4BB878DCFF50}"/>
+              </a:ext>
+            </a:extLst>
+          </p:cNvPr>
+          <p:cNvSpPr txBox="1">
+            <a:spLocks noGrp="1"/>
+          </p:cNvSpPr>
+          <p:nvPr>
+            <p:ph type="body" idx="1"/>
+          </p:nvPr>
+        </p:nvSpPr>
+        <p:spPr>
+          <a:xfrm>
+            <a:off x="605980" y="1316376"/>
+            <a:ext cx="10515600" cy="4927800"/>
+          </a:xfrm>
+          <a:prstGeom prst="rect">
+            <a:avLst/>
+          </a:prstGeom>
+          <a:noFill/>
+          <a:ln>
+            <a:noFill/>
+          </a:ln>
+        </p:spPr>
+        <p:txBody>
+          <a:bodyPr spcFirstLastPara="1" wrap="square" lIns="91425" tIns="45700" rIns="91425" bIns="45700" anchor="t" anchorCtr="0">
+            <a:normAutofit/>
+          </a:bodyPr>
+          <a:lstStyle/>
+          <a:p>
+            <a:pPr marL="228600" lvl="0" indent="-50800">
+              <a:spcBef>
+                <a:spcPts val="0"/>
+              </a:spcBef>
+              <a:buSzPts val="2800"/>
+              <a:buNone/>
+            </a:pPr>
+            <a:r>
+              <a:rPr lang="en-US" dirty="0"/>
+              <a:t>python shell.py</a:t>
+            </a:r>
+          </a:p>
+          <a:p>
+            <a:pPr marL="228600" lvl="0" indent="-50800">
+              <a:spcBef>
+                <a:spcPts val="0"/>
+              </a:spcBef>
+              <a:buSzPts val="2800"/>
+              <a:buNone/>
+            </a:pPr>
+            <a:endParaRPr lang="en-US" dirty="0"/>
+          </a:p>
+          <a:p>
+            <a:pPr marL="635000" lvl="0" indent="-457200">
+              <a:spcBef>
+                <a:spcPts val="0"/>
+              </a:spcBef>
+              <a:buSzPts val="2800"/>
+              <a:buFontTx/>
+              <a:buChar char="-"/>
+            </a:pPr>
+            <a:r>
+              <a:rPr lang="en-US" dirty="0"/>
+              <a:t>write 10 0x12341234</a:t>
+            </a:r>
+          </a:p>
+          <a:p>
+            <a:pPr marL="635000" lvl="0" indent="-457200">
+              <a:spcBef>
+                <a:spcPts val="0"/>
+              </a:spcBef>
+              <a:buSzPts val="2800"/>
+              <a:buFontTx/>
+              <a:buChar char="-"/>
+            </a:pPr>
+            <a:r>
+              <a:rPr lang="en-US" dirty="0"/>
+              <a:t>read 10</a:t>
+            </a:r>
+          </a:p>
+          <a:p>
+            <a:pPr marL="635000" lvl="0" indent="-457200">
+              <a:spcBef>
+                <a:spcPts val="0"/>
+              </a:spcBef>
+              <a:buSzPts val="2800"/>
+              <a:buFontTx/>
+              <a:buChar char="-"/>
+            </a:pPr>
+            <a:r>
+              <a:rPr lang="en-US" dirty="0"/>
+              <a:t>erase 95 10</a:t>
+            </a:r>
+          </a:p>
+          <a:p>
+            <a:pPr marL="635000" lvl="0" indent="-457200">
+              <a:spcBef>
+                <a:spcPts val="0"/>
+              </a:spcBef>
+              <a:buSzPts val="2800"/>
+              <a:buFontTx/>
+              <a:buChar char="-"/>
+            </a:pPr>
+            <a:r>
+              <a:rPr lang="en-US" dirty="0" err="1"/>
+              <a:t>erase_range</a:t>
+            </a:r>
+            <a:r>
+              <a:rPr lang="en-US" dirty="0"/>
+              <a:t> 95 99</a:t>
+            </a:r>
+          </a:p>
+          <a:p>
+            <a:pPr marL="635000" lvl="0" indent="-457200">
+              <a:spcBef>
+                <a:spcPts val="0"/>
+              </a:spcBef>
+              <a:buSzPts val="2800"/>
+              <a:buFontTx/>
+              <a:buChar char="-"/>
+            </a:pPr>
+            <a:r>
+              <a:rPr lang="en-US" altLang="ko-KR" dirty="0"/>
+              <a:t>flush</a:t>
+            </a:r>
+          </a:p>
+          <a:p>
+            <a:pPr marL="635000" indent="-457200">
+              <a:spcBef>
+                <a:spcPts val="0"/>
+              </a:spcBef>
+              <a:buSzPts val="2800"/>
+              <a:buFontTx/>
+              <a:buChar char="-"/>
+            </a:pPr>
+            <a:r>
+              <a:rPr lang="en-US" altLang="ko-KR" dirty="0"/>
+              <a:t>help </a:t>
+            </a:r>
+            <a:r>
+              <a:rPr lang="ko-KR" altLang="en-US" dirty="0"/>
+              <a:t>커맨드</a:t>
+            </a:r>
+            <a:r>
+              <a:rPr lang="en-US" altLang="ko-KR" dirty="0"/>
+              <a:t> </a:t>
+            </a:r>
+          </a:p>
+          <a:p>
+            <a:pPr marL="635000" lvl="0" indent="-457200">
+              <a:spcBef>
+                <a:spcPts val="0"/>
+              </a:spcBef>
+              <a:buSzPts val="2800"/>
+              <a:buFontTx/>
+              <a:buChar char="-"/>
+            </a:pPr>
+            <a:r>
+              <a:rPr lang="en-US" dirty="0"/>
+              <a:t>exit</a:t>
+            </a:r>
+          </a:p>
+          <a:p>
+            <a:pPr marL="635000" lvl="0" indent="-457200">
+              <a:spcBef>
+                <a:spcPts val="0"/>
+              </a:spcBef>
+              <a:buSzPts val="2800"/>
+              <a:buFontTx/>
+              <a:buChar char="-"/>
+            </a:pPr>
+            <a:r>
+              <a:rPr lang="en-US" dirty="0" err="1"/>
+              <a:t>fullread</a:t>
+            </a:r>
+            <a:r>
+              <a:rPr lang="en-US" dirty="0"/>
+              <a:t>		(14s)</a:t>
+            </a:r>
+          </a:p>
+          <a:p>
+            <a:pPr marL="635000" indent="-457200">
+              <a:spcBef>
+                <a:spcPts val="0"/>
+              </a:spcBef>
+              <a:buSzPts val="2800"/>
+              <a:buFontTx/>
+              <a:buChar char="-"/>
+            </a:pPr>
+            <a:r>
+              <a:rPr lang="en-US" altLang="ko-KR" dirty="0" err="1"/>
+              <a:t>fullwrite</a:t>
+            </a:r>
+            <a:r>
+              <a:rPr lang="en-US" altLang="ko-KR" dirty="0"/>
+              <a:t> 0x11111111   (14s)</a:t>
+            </a:r>
           </a:p>
         </p:txBody>
       </p:sp>
     </p:spTree>
     <p:extLst>
       <p:ext uri="{BB962C8B-B14F-4D97-AF65-F5344CB8AC3E}">
-        <p14:creationId xmlns:p14="http://schemas.microsoft.com/office/powerpoint/2010/main" val="1758045664"/>
+        <p14:creationId xmlns:p14="http://schemas.microsoft.com/office/powerpoint/2010/main" val="1773307082"/>
+      </p:ext>
+    </p:extLst>
+  </p:cSld>
+  <p:clrMapOvr>
+    <a:masterClrMapping/>
+  </p:clrMapOvr>
+</p:sld>
+</file>
+
+<file path=ppt/slides/slide28.xml><?xml version="1.0" encoding="utf-8"?>
+<p:sld xmlns:a="http://schemas.openxmlformats.org/drawingml/2006/main" xmlns:r="http://schemas.openxmlformats.org/officeDocument/2006/relationships" xmlns:p="http://schemas.openxmlformats.org/presentationml/2006/main">
+  <p:cSld>
+    <p:spTree>
+      <p:nvGrpSpPr>
+        <p:cNvPr id="1" name="Shape 58">
+          <a:extLst>
+            <a:ext uri="{FF2B5EF4-FFF2-40B4-BE49-F238E27FC236}">
+              <a16:creationId xmlns:a16="http://schemas.microsoft.com/office/drawing/2014/main" id="{E14EE71F-E82F-469C-22AF-3169A4EB78BE}"/>
+            </a:ext>
+          </a:extLst>
+        </p:cNvPr>
+        <p:cNvGrpSpPr/>
+        <p:nvPr/>
+      </p:nvGrpSpPr>
+      <p:grpSpPr>
+        <a:xfrm>
+          <a:off x="0" y="0"/>
+          <a:ext cx="0" cy="0"/>
+          <a:chOff x="0" y="0"/>
+          <a:chExt cx="0" cy="0"/>
+        </a:xfrm>
+      </p:grpSpPr>
+      <p:sp>
+        <p:nvSpPr>
+          <p:cNvPr id="59" name="Google Shape;59;p3">
+            <a:extLst>
+              <a:ext uri="{FF2B5EF4-FFF2-40B4-BE49-F238E27FC236}">
+                <a16:creationId xmlns:a16="http://schemas.microsoft.com/office/drawing/2014/main" id="{6836A3AE-CEC0-AEAA-DD2A-E0A864DE0C6A}"/>
+              </a:ext>
+            </a:extLst>
+          </p:cNvPr>
+          <p:cNvSpPr txBox="1">
+            <a:spLocks noGrp="1"/>
+          </p:cNvSpPr>
+          <p:nvPr>
+            <p:ph type="title"/>
+          </p:nvPr>
+        </p:nvSpPr>
+        <p:spPr>
+          <a:xfrm>
+            <a:off x="605980" y="310143"/>
+            <a:ext cx="10515600" cy="649800"/>
+          </a:xfrm>
+          <a:prstGeom prst="rect">
+            <a:avLst/>
+          </a:prstGeom>
+          <a:noFill/>
+          <a:ln>
+            <a:noFill/>
+          </a:ln>
+        </p:spPr>
+        <p:txBody>
+          <a:bodyPr spcFirstLastPara="1" wrap="square" lIns="91425" tIns="45700" rIns="91425" bIns="45700" anchor="ctr" anchorCtr="0">
+            <a:normAutofit fontScale="90000"/>
+          </a:bodyPr>
+          <a:lstStyle/>
+          <a:p>
+            <a:pPr marL="0" lvl="0" indent="0" algn="l" rtl="0">
+              <a:lnSpc>
+                <a:spcPct val="90000"/>
+              </a:lnSpc>
+              <a:spcBef>
+                <a:spcPts val="0"/>
+              </a:spcBef>
+              <a:spcAft>
+                <a:spcPts val="0"/>
+              </a:spcAft>
+              <a:buClr>
+                <a:schemeClr val="dk1"/>
+              </a:buClr>
+              <a:buSzPts val="4400"/>
+              <a:buFont typeface="Malgun Gothic"/>
+              <a:buNone/>
+            </a:pPr>
+            <a:r>
+              <a:rPr lang="ko-KR" altLang="en-US" dirty="0"/>
+              <a:t>시연 시나리오 </a:t>
+            </a:r>
+            <a:r>
+              <a:rPr lang="en-US" altLang="ko-KR" dirty="0"/>
+              <a:t>-</a:t>
+            </a:r>
+            <a:r>
+              <a:rPr lang="ko-KR" altLang="en-US" dirty="0"/>
+              <a:t> </a:t>
+            </a:r>
+            <a:r>
+              <a:rPr lang="en-US" altLang="ko-KR" dirty="0"/>
+              <a:t>Runner</a:t>
+            </a:r>
+            <a:endParaRPr dirty="0"/>
+          </a:p>
+        </p:txBody>
+      </p:sp>
+      <p:sp>
+        <p:nvSpPr>
+          <p:cNvPr id="60" name="Google Shape;60;p3">
+            <a:extLst>
+              <a:ext uri="{FF2B5EF4-FFF2-40B4-BE49-F238E27FC236}">
+                <a16:creationId xmlns:a16="http://schemas.microsoft.com/office/drawing/2014/main" id="{B2590F79-3488-6594-7203-2481522DF1C7}"/>
+              </a:ext>
+            </a:extLst>
+          </p:cNvPr>
+          <p:cNvSpPr txBox="1">
+            <a:spLocks noGrp="1"/>
+          </p:cNvSpPr>
+          <p:nvPr>
+            <p:ph type="body" idx="1"/>
+          </p:nvPr>
+        </p:nvSpPr>
+        <p:spPr>
+          <a:xfrm>
+            <a:off x="605980" y="1316376"/>
+            <a:ext cx="10515600" cy="4927800"/>
+          </a:xfrm>
+          <a:prstGeom prst="rect">
+            <a:avLst/>
+          </a:prstGeom>
+          <a:noFill/>
+          <a:ln>
+            <a:noFill/>
+          </a:ln>
+        </p:spPr>
+        <p:txBody>
+          <a:bodyPr spcFirstLastPara="1" wrap="square" lIns="91425" tIns="45700" rIns="91425" bIns="45700" anchor="t" anchorCtr="0">
+            <a:normAutofit/>
+          </a:bodyPr>
+          <a:lstStyle/>
+          <a:p>
+            <a:pPr fontAlgn="base"/>
+            <a:r>
+              <a:rPr lang="en-US" altLang="ko-KR" dirty="0"/>
+              <a:t>1_</a:t>
+            </a:r>
+            <a:r>
+              <a:rPr lang="en-US" altLang="ko-KR" i="1" dirty="0"/>
+              <a:t>FullWriteAndReadCompare __</a:t>
+            </a:r>
+            <a:r>
+              <a:rPr lang="en-US" altLang="ko-KR" dirty="0"/>
+              <a:t> Run...Pass 19.511608 s </a:t>
+            </a:r>
+          </a:p>
+          <a:p>
+            <a:pPr fontAlgn="base"/>
+            <a:r>
+              <a:rPr lang="en-US" altLang="ko-KR" dirty="0"/>
+              <a:t>2_</a:t>
+            </a:r>
+            <a:r>
+              <a:rPr lang="en-US" altLang="ko-KR" i="1" dirty="0"/>
+              <a:t>PartialLBAWrite __</a:t>
+            </a:r>
+            <a:r>
+              <a:rPr lang="en-US" altLang="ko-KR" dirty="0"/>
+              <a:t> Run...Pass 49.492345 s </a:t>
+            </a:r>
+          </a:p>
+          <a:p>
+            <a:pPr fontAlgn="base"/>
+            <a:r>
+              <a:rPr lang="en-US" altLang="ko-KR" dirty="0"/>
+              <a:t>3_</a:t>
+            </a:r>
+            <a:r>
+              <a:rPr lang="en-US" altLang="ko-KR" i="1" dirty="0"/>
+              <a:t>WriteReadAging __</a:t>
+            </a:r>
+            <a:r>
+              <a:rPr lang="en-US" altLang="ko-KR" dirty="0"/>
+              <a:t> Run...Pass 134.510067 s </a:t>
+            </a:r>
+          </a:p>
+          <a:p>
+            <a:pPr fontAlgn="base"/>
+            <a:r>
+              <a:rPr lang="en-US" altLang="ko-KR" dirty="0"/>
+              <a:t>4_</a:t>
+            </a:r>
+            <a:r>
+              <a:rPr lang="en-US" altLang="ko-KR" i="1" dirty="0"/>
+              <a:t>EraseAndWriteAging __</a:t>
+            </a:r>
+            <a:r>
+              <a:rPr lang="en-US" altLang="ko-KR" dirty="0"/>
+              <a:t> Run...Pass 1126.249141 s</a:t>
+            </a:r>
+          </a:p>
+        </p:txBody>
+      </p:sp>
+      <p:pic>
+        <p:nvPicPr>
+          <p:cNvPr id="3" name="그림 2">
+            <a:extLst>
+              <a:ext uri="{FF2B5EF4-FFF2-40B4-BE49-F238E27FC236}">
+                <a16:creationId xmlns:a16="http://schemas.microsoft.com/office/drawing/2014/main" id="{20B87802-077F-FFC0-EF0B-C1B5C78DCCAE}"/>
+              </a:ext>
+            </a:extLst>
+          </p:cNvPr>
+          <p:cNvPicPr>
+            <a:picLocks noChangeAspect="1"/>
+          </p:cNvPicPr>
+          <p:nvPr/>
+        </p:nvPicPr>
+        <p:blipFill>
+          <a:blip r:embed="rId3"/>
+          <a:stretch>
+            <a:fillRect/>
+          </a:stretch>
+        </p:blipFill>
+        <p:spPr>
+          <a:xfrm>
+            <a:off x="957404" y="4749232"/>
+            <a:ext cx="4140413" cy="1263715"/>
+          </a:xfrm>
+          <a:prstGeom prst="rect">
+            <a:avLst/>
+          </a:prstGeom>
+        </p:spPr>
+      </p:pic>
+      <p:sp>
+        <p:nvSpPr>
+          <p:cNvPr id="4" name="TextBox 3">
+            <a:extLst>
+              <a:ext uri="{FF2B5EF4-FFF2-40B4-BE49-F238E27FC236}">
+                <a16:creationId xmlns:a16="http://schemas.microsoft.com/office/drawing/2014/main" id="{44EC1C40-7596-17B5-7CF8-4EC04778EF88}"/>
+              </a:ext>
+            </a:extLst>
+          </p:cNvPr>
+          <p:cNvSpPr txBox="1"/>
+          <p:nvPr/>
+        </p:nvSpPr>
+        <p:spPr>
+          <a:xfrm>
+            <a:off x="731373" y="4379900"/>
+            <a:ext cx="6102848" cy="307777"/>
+          </a:xfrm>
+          <a:prstGeom prst="rect">
+            <a:avLst/>
+          </a:prstGeom>
+          <a:noFill/>
+        </p:spPr>
+        <p:txBody>
+          <a:bodyPr wrap="square">
+            <a:spAutoFit/>
+          </a:bodyPr>
+          <a:lstStyle/>
+          <a:p>
+            <a:pPr marL="228600" lvl="0" indent="-50800">
+              <a:spcBef>
+                <a:spcPts val="0"/>
+              </a:spcBef>
+              <a:buSzPts val="2800"/>
+              <a:buNone/>
+            </a:pPr>
+            <a:r>
+              <a:rPr lang="en-US" altLang="ko-KR" dirty="0"/>
+              <a:t>python shell.py tests/shell_scripts.txt</a:t>
+            </a:r>
+          </a:p>
+        </p:txBody>
+      </p:sp>
+    </p:spTree>
+    <p:extLst>
+      <p:ext uri="{BB962C8B-B14F-4D97-AF65-F5344CB8AC3E}">
+        <p14:creationId xmlns:p14="http://schemas.microsoft.com/office/powerpoint/2010/main" val="1190146746"/>
+      </p:ext>
+    </p:extLst>
+  </p:cSld>
+  <p:clrMapOvr>
+    <a:masterClrMapping/>
+  </p:clrMapOvr>
+</p:sld>
+</file>
+
+<file path=ppt/slides/slide29.xml><?xml version="1.0" encoding="utf-8"?>
+<p:sld xmlns:a="http://schemas.openxmlformats.org/drawingml/2006/main" xmlns:r="http://schemas.openxmlformats.org/officeDocument/2006/relationships" xmlns:p="http://schemas.openxmlformats.org/presentationml/2006/main">
+  <p:cSld>
+    <p:spTree>
+      <p:nvGrpSpPr>
+        <p:cNvPr id="1" name="Shape 58">
+          <a:extLst>
+            <a:ext uri="{FF2B5EF4-FFF2-40B4-BE49-F238E27FC236}">
+              <a16:creationId xmlns:a16="http://schemas.microsoft.com/office/drawing/2014/main" id="{E4EDF708-06E8-5169-977B-2F684577EC52}"/>
+            </a:ext>
+          </a:extLst>
+        </p:cNvPr>
+        <p:cNvGrpSpPr/>
+        <p:nvPr/>
+      </p:nvGrpSpPr>
+      <p:grpSpPr>
+        <a:xfrm>
+          <a:off x="0" y="0"/>
+          <a:ext cx="0" cy="0"/>
+          <a:chOff x="0" y="0"/>
+          <a:chExt cx="0" cy="0"/>
+        </a:xfrm>
+      </p:grpSpPr>
+      <p:sp>
+        <p:nvSpPr>
+          <p:cNvPr id="59" name="Google Shape;59;p3">
+            <a:extLst>
+              <a:ext uri="{FF2B5EF4-FFF2-40B4-BE49-F238E27FC236}">
+                <a16:creationId xmlns:a16="http://schemas.microsoft.com/office/drawing/2014/main" id="{38139870-8B6C-B629-3784-AEA667132C2C}"/>
+              </a:ext>
+            </a:extLst>
+          </p:cNvPr>
+          <p:cNvSpPr txBox="1">
+            <a:spLocks noGrp="1"/>
+          </p:cNvSpPr>
+          <p:nvPr>
+            <p:ph type="title"/>
+          </p:nvPr>
+        </p:nvSpPr>
+        <p:spPr>
+          <a:xfrm>
+            <a:off x="605980" y="310143"/>
+            <a:ext cx="10515600" cy="649800"/>
+          </a:xfrm>
+          <a:prstGeom prst="rect">
+            <a:avLst/>
+          </a:prstGeom>
+          <a:noFill/>
+          <a:ln>
+            <a:noFill/>
+          </a:ln>
+        </p:spPr>
+        <p:txBody>
+          <a:bodyPr spcFirstLastPara="1" wrap="square" lIns="91425" tIns="45700" rIns="91425" bIns="45700" anchor="ctr" anchorCtr="0">
+            <a:normAutofit fontScale="90000"/>
+          </a:bodyPr>
+          <a:lstStyle/>
+          <a:p>
+            <a:pPr marL="0" lvl="0" indent="0" algn="l" rtl="0">
+              <a:lnSpc>
+                <a:spcPct val="90000"/>
+              </a:lnSpc>
+              <a:spcBef>
+                <a:spcPts val="0"/>
+              </a:spcBef>
+              <a:spcAft>
+                <a:spcPts val="0"/>
+              </a:spcAft>
+              <a:buClr>
+                <a:schemeClr val="dk1"/>
+              </a:buClr>
+              <a:buSzPts val="4400"/>
+              <a:buFont typeface="Malgun Gothic"/>
+              <a:buNone/>
+            </a:pPr>
+            <a:r>
+              <a:rPr lang="ko-KR" altLang="en-US" dirty="0"/>
+              <a:t>시연 시나리오 </a:t>
+            </a:r>
+            <a:r>
+              <a:rPr lang="en-US" altLang="ko-KR" dirty="0"/>
+              <a:t>-</a:t>
+            </a:r>
+            <a:r>
+              <a:rPr lang="ko-KR" altLang="en-US" dirty="0"/>
+              <a:t> </a:t>
+            </a:r>
+            <a:r>
+              <a:rPr lang="en-US" altLang="ko-KR" dirty="0"/>
+              <a:t>Command Buffer</a:t>
+            </a:r>
+            <a:endParaRPr dirty="0"/>
+          </a:p>
+        </p:txBody>
+      </p:sp>
+      <p:sp>
+        <p:nvSpPr>
+          <p:cNvPr id="60" name="Google Shape;60;p3">
+            <a:extLst>
+              <a:ext uri="{FF2B5EF4-FFF2-40B4-BE49-F238E27FC236}">
+                <a16:creationId xmlns:a16="http://schemas.microsoft.com/office/drawing/2014/main" id="{7AF321FE-5A43-55C8-B7C3-FC4EF4799B7B}"/>
+              </a:ext>
+            </a:extLst>
+          </p:cNvPr>
+          <p:cNvSpPr txBox="1">
+            <a:spLocks noGrp="1"/>
+          </p:cNvSpPr>
+          <p:nvPr>
+            <p:ph type="body" idx="1"/>
+          </p:nvPr>
+        </p:nvSpPr>
+        <p:spPr>
+          <a:xfrm>
+            <a:off x="605980" y="1119353"/>
+            <a:ext cx="5126999" cy="2743200"/>
+          </a:xfrm>
+          <a:prstGeom prst="rect">
+            <a:avLst/>
+          </a:prstGeom>
+          <a:noFill/>
+          <a:ln>
+            <a:solidFill>
+              <a:schemeClr val="tx1"/>
+            </a:solidFill>
+          </a:ln>
+        </p:spPr>
+        <p:txBody>
+          <a:bodyPr spcFirstLastPara="1" wrap="square" lIns="91425" tIns="45700" rIns="91425" bIns="45700" anchor="t" anchorCtr="0">
+            <a:normAutofit/>
+          </a:bodyPr>
+          <a:lstStyle/>
+          <a:p>
+            <a:pPr marL="114300" indent="0" fontAlgn="base">
+              <a:buNone/>
+            </a:pPr>
+            <a:r>
+              <a:rPr lang="ko-KR" altLang="en-US" sz="1400" dirty="0"/>
+              <a:t>예시 </a:t>
+            </a:r>
+            <a:r>
+              <a:rPr lang="en-US" altLang="ko-KR" sz="1400" dirty="0"/>
+              <a:t>1. Ignore Command</a:t>
+            </a:r>
+          </a:p>
+          <a:p>
+            <a:pPr marL="114300" indent="0" fontAlgn="base">
+              <a:buNone/>
+            </a:pPr>
+            <a:r>
+              <a:rPr lang="en-US" altLang="ko-KR" sz="1400" dirty="0"/>
+              <a:t>python ssd.py F</a:t>
+            </a:r>
+          </a:p>
+          <a:p>
+            <a:pPr marL="114300" indent="0" fontAlgn="base">
+              <a:buNone/>
+            </a:pPr>
+            <a:r>
+              <a:rPr lang="en-US" altLang="ko-KR" sz="1400" dirty="0"/>
+              <a:t>python ssd.py W 20 0xABCDABCD</a:t>
+            </a:r>
+          </a:p>
+          <a:p>
+            <a:pPr marL="114300" indent="0" fontAlgn="base">
+              <a:buNone/>
+            </a:pPr>
+            <a:r>
+              <a:rPr lang="en-US" altLang="ko-KR" sz="1400" dirty="0"/>
+              <a:t>python ssd.py W 21 0x12341234</a:t>
+            </a:r>
+          </a:p>
+          <a:p>
+            <a:pPr marL="114300" indent="0" fontAlgn="base">
+              <a:buNone/>
+            </a:pPr>
+            <a:r>
+              <a:rPr lang="en-US" altLang="ko-KR" sz="1400" dirty="0"/>
+              <a:t>python ssd.py W 20 0xEEEEFFFF</a:t>
+            </a:r>
+          </a:p>
+          <a:p>
+            <a:pPr marL="114300" indent="0" fontAlgn="base">
+              <a:buNone/>
+            </a:pPr>
+            <a:r>
+              <a:rPr lang="en-US" altLang="ko-KR" sz="1400" dirty="0"/>
+              <a:t>--------------------------------------</a:t>
+            </a:r>
+          </a:p>
+          <a:p>
+            <a:pPr marL="114300" indent="0" fontAlgn="base">
+              <a:buNone/>
+            </a:pPr>
+            <a:r>
+              <a:rPr lang="en-US" altLang="ko-KR" sz="1400" dirty="0"/>
+              <a:t>W 21 0x12341234</a:t>
+            </a:r>
+          </a:p>
+          <a:p>
+            <a:pPr marL="114300" indent="0" fontAlgn="base">
+              <a:buNone/>
+            </a:pPr>
+            <a:r>
+              <a:rPr lang="en-US" altLang="ko-KR" sz="1400" dirty="0"/>
+              <a:t>W 20 0xEEEEFFFF</a:t>
+            </a:r>
+          </a:p>
+        </p:txBody>
+      </p:sp>
+      <p:sp>
+        <p:nvSpPr>
+          <p:cNvPr id="2" name="Google Shape;60;p3">
+            <a:extLst>
+              <a:ext uri="{FF2B5EF4-FFF2-40B4-BE49-F238E27FC236}">
+                <a16:creationId xmlns:a16="http://schemas.microsoft.com/office/drawing/2014/main" id="{2E460C22-116C-699A-E832-D8710BA5B3B7}"/>
+              </a:ext>
+            </a:extLst>
+          </p:cNvPr>
+          <p:cNvSpPr txBox="1">
+            <a:spLocks/>
+          </p:cNvSpPr>
+          <p:nvPr/>
+        </p:nvSpPr>
+        <p:spPr>
+          <a:xfrm>
+            <a:off x="6065178" y="1119351"/>
+            <a:ext cx="5288622" cy="2743201"/>
+          </a:xfrm>
+          <a:prstGeom prst="rect">
+            <a:avLst/>
+          </a:prstGeom>
+          <a:noFill/>
+          <a:ln>
+            <a:solidFill>
+              <a:schemeClr val="tx1"/>
+            </a:solidFill>
+          </a:ln>
+        </p:spPr>
+        <p:txBody>
+          <a:bodyPr spcFirstLastPara="1" wrap="square" lIns="91425" tIns="45700" rIns="91425" bIns="45700" anchor="t" anchorCtr="0">
+            <a:normAutofit/>
+          </a:bodyPr>
+          <a:lstStyle>
+            <a:defPPr marR="0" lvl="0" algn="l" rtl="0">
+              <a:lnSpc>
+                <a:spcPct val="100000"/>
+              </a:lnSpc>
+              <a:spcBef>
+                <a:spcPts val="0"/>
+              </a:spcBef>
+              <a:spcAft>
+                <a:spcPts val="0"/>
+              </a:spcAft>
+            </a:defPPr>
+            <a:lvl1pPr marL="457200" marR="0" lvl="0" indent="-342900" algn="l" rtl="0">
+              <a:lnSpc>
+                <a:spcPct val="90000"/>
+              </a:lnSpc>
+              <a:spcBef>
+                <a:spcPts val="1000"/>
+              </a:spcBef>
+              <a:spcAft>
+                <a:spcPts val="0"/>
+              </a:spcAft>
+              <a:buClr>
+                <a:schemeClr val="dk1"/>
+              </a:buClr>
+              <a:buSzPts val="1800"/>
+              <a:buFont typeface="Arial"/>
+              <a:buChar char="•"/>
+              <a:defRPr sz="2800" b="0" i="0" u="none" strike="noStrike" cap="none">
+                <a:solidFill>
+                  <a:schemeClr val="dk1"/>
+                </a:solidFill>
+                <a:latin typeface="Malgun Gothic"/>
+                <a:ea typeface="Malgun Gothic"/>
+                <a:cs typeface="Malgun Gothic"/>
+                <a:sym typeface="Malgun Gothic"/>
+              </a:defRPr>
+            </a:lvl1pPr>
+            <a:lvl2pPr marL="914400" marR="0" lvl="1" indent="-342900" algn="l" rtl="0">
+              <a:lnSpc>
+                <a:spcPct val="90000"/>
+              </a:lnSpc>
+              <a:spcBef>
+                <a:spcPts val="500"/>
+              </a:spcBef>
+              <a:spcAft>
+                <a:spcPts val="0"/>
+              </a:spcAft>
+              <a:buClr>
+                <a:schemeClr val="dk1"/>
+              </a:buClr>
+              <a:buSzPts val="1800"/>
+              <a:buFont typeface="Arial"/>
+              <a:buChar char="•"/>
+              <a:defRPr sz="2400" b="0" i="0" u="none" strike="noStrike" cap="none">
+                <a:solidFill>
+                  <a:schemeClr val="dk1"/>
+                </a:solidFill>
+                <a:latin typeface="Malgun Gothic"/>
+                <a:ea typeface="Malgun Gothic"/>
+                <a:cs typeface="Malgun Gothic"/>
+                <a:sym typeface="Malgun Gothic"/>
+              </a:defRPr>
+            </a:lvl2pPr>
+            <a:lvl3pPr marL="1371600" marR="0" lvl="2" indent="-342900" algn="l" rtl="0">
+              <a:lnSpc>
+                <a:spcPct val="90000"/>
+              </a:lnSpc>
+              <a:spcBef>
+                <a:spcPts val="500"/>
+              </a:spcBef>
+              <a:spcAft>
+                <a:spcPts val="0"/>
+              </a:spcAft>
+              <a:buClr>
+                <a:schemeClr val="dk1"/>
+              </a:buClr>
+              <a:buSzPts val="1800"/>
+              <a:buFont typeface="Arial"/>
+              <a:buChar char="•"/>
+              <a:defRPr sz="2000" b="0" i="0" u="none" strike="noStrike" cap="none">
+                <a:solidFill>
+                  <a:schemeClr val="dk1"/>
+                </a:solidFill>
+                <a:latin typeface="Malgun Gothic"/>
+                <a:ea typeface="Malgun Gothic"/>
+                <a:cs typeface="Malgun Gothic"/>
+                <a:sym typeface="Malgun Gothic"/>
+              </a:defRPr>
+            </a:lvl3pPr>
+            <a:lvl4pPr marL="1828800" marR="0" lvl="3" indent="-342900" algn="l" rtl="0">
+              <a:lnSpc>
+                <a:spcPct val="90000"/>
+              </a:lnSpc>
+              <a:spcBef>
+                <a:spcPts val="500"/>
+              </a:spcBef>
+              <a:spcAft>
+                <a:spcPts val="0"/>
+              </a:spcAft>
+              <a:buClr>
+                <a:schemeClr val="dk1"/>
+              </a:buClr>
+              <a:buSzPts val="1800"/>
+              <a:buFont typeface="Arial"/>
+              <a:buChar char="•"/>
+              <a:defRPr sz="1800" b="0" i="0" u="none" strike="noStrike" cap="none">
+                <a:solidFill>
+                  <a:schemeClr val="dk1"/>
+                </a:solidFill>
+                <a:latin typeface="Malgun Gothic"/>
+                <a:ea typeface="Malgun Gothic"/>
+                <a:cs typeface="Malgun Gothic"/>
+                <a:sym typeface="Malgun Gothic"/>
+              </a:defRPr>
+            </a:lvl4pPr>
+            <a:lvl5pPr marL="2286000" marR="0" lvl="4" indent="-342900" algn="l" rtl="0">
+              <a:lnSpc>
+                <a:spcPct val="90000"/>
+              </a:lnSpc>
+              <a:spcBef>
+                <a:spcPts val="500"/>
+              </a:spcBef>
+              <a:spcAft>
+                <a:spcPts val="0"/>
+              </a:spcAft>
+              <a:buClr>
+                <a:schemeClr val="dk1"/>
+              </a:buClr>
+              <a:buSzPts val="1800"/>
+              <a:buFont typeface="Arial"/>
+              <a:buChar char="•"/>
+              <a:defRPr sz="1800" b="0" i="0" u="none" strike="noStrike" cap="none">
+                <a:solidFill>
+                  <a:schemeClr val="dk1"/>
+                </a:solidFill>
+                <a:latin typeface="Malgun Gothic"/>
+                <a:ea typeface="Malgun Gothic"/>
+                <a:cs typeface="Malgun Gothic"/>
+                <a:sym typeface="Malgun Gothic"/>
+              </a:defRPr>
+            </a:lvl5pPr>
+            <a:lvl6pPr marL="2743200" marR="0" lvl="5" indent="-342900" algn="l" rtl="0">
+              <a:lnSpc>
+                <a:spcPct val="90000"/>
+              </a:lnSpc>
+              <a:spcBef>
+                <a:spcPts val="500"/>
+              </a:spcBef>
+              <a:spcAft>
+                <a:spcPts val="0"/>
+              </a:spcAft>
+              <a:buClr>
+                <a:schemeClr val="dk1"/>
+              </a:buClr>
+              <a:buSzPts val="1800"/>
+              <a:buFont typeface="Arial"/>
+              <a:buChar char="•"/>
+              <a:defRPr sz="1800" b="0" i="0" u="none" strike="noStrike" cap="none">
+                <a:solidFill>
+                  <a:schemeClr val="dk1"/>
+                </a:solidFill>
+                <a:latin typeface="Malgun Gothic"/>
+                <a:ea typeface="Malgun Gothic"/>
+                <a:cs typeface="Malgun Gothic"/>
+                <a:sym typeface="Malgun Gothic"/>
+              </a:defRPr>
+            </a:lvl6pPr>
+            <a:lvl7pPr marL="3200400" marR="0" lvl="6" indent="-342900" algn="l" rtl="0">
+              <a:lnSpc>
+                <a:spcPct val="90000"/>
+              </a:lnSpc>
+              <a:spcBef>
+                <a:spcPts val="500"/>
+              </a:spcBef>
+              <a:spcAft>
+                <a:spcPts val="0"/>
+              </a:spcAft>
+              <a:buClr>
+                <a:schemeClr val="dk1"/>
+              </a:buClr>
+              <a:buSzPts val="1800"/>
+              <a:buFont typeface="Arial"/>
+              <a:buChar char="•"/>
+              <a:defRPr sz="1800" b="0" i="0" u="none" strike="noStrike" cap="none">
+                <a:solidFill>
+                  <a:schemeClr val="dk1"/>
+                </a:solidFill>
+                <a:latin typeface="Malgun Gothic"/>
+                <a:ea typeface="Malgun Gothic"/>
+                <a:cs typeface="Malgun Gothic"/>
+                <a:sym typeface="Malgun Gothic"/>
+              </a:defRPr>
+            </a:lvl7pPr>
+            <a:lvl8pPr marL="3657600" marR="0" lvl="7" indent="-342900" algn="l" rtl="0">
+              <a:lnSpc>
+                <a:spcPct val="90000"/>
+              </a:lnSpc>
+              <a:spcBef>
+                <a:spcPts val="500"/>
+              </a:spcBef>
+              <a:spcAft>
+                <a:spcPts val="0"/>
+              </a:spcAft>
+              <a:buClr>
+                <a:schemeClr val="dk1"/>
+              </a:buClr>
+              <a:buSzPts val="1800"/>
+              <a:buFont typeface="Arial"/>
+              <a:buChar char="•"/>
+              <a:defRPr sz="1800" b="0" i="0" u="none" strike="noStrike" cap="none">
+                <a:solidFill>
+                  <a:schemeClr val="dk1"/>
+                </a:solidFill>
+                <a:latin typeface="Malgun Gothic"/>
+                <a:ea typeface="Malgun Gothic"/>
+                <a:cs typeface="Malgun Gothic"/>
+                <a:sym typeface="Malgun Gothic"/>
+              </a:defRPr>
+            </a:lvl8pPr>
+            <a:lvl9pPr marL="4114800" marR="0" lvl="8" indent="-342900" algn="l" rtl="0">
+              <a:lnSpc>
+                <a:spcPct val="90000"/>
+              </a:lnSpc>
+              <a:spcBef>
+                <a:spcPts val="500"/>
+              </a:spcBef>
+              <a:spcAft>
+                <a:spcPts val="0"/>
+              </a:spcAft>
+              <a:buClr>
+                <a:schemeClr val="dk1"/>
+              </a:buClr>
+              <a:buSzPts val="1800"/>
+              <a:buFont typeface="Arial"/>
+              <a:buChar char="•"/>
+              <a:defRPr sz="1800" b="0" i="0" u="none" strike="noStrike" cap="none">
+                <a:solidFill>
+                  <a:schemeClr val="dk1"/>
+                </a:solidFill>
+                <a:latin typeface="Malgun Gothic"/>
+                <a:ea typeface="Malgun Gothic"/>
+                <a:cs typeface="Malgun Gothic"/>
+                <a:sym typeface="Malgun Gothic"/>
+              </a:defRPr>
+            </a:lvl9pPr>
+          </a:lstStyle>
+          <a:p>
+            <a:pPr marL="114300" indent="0" fontAlgn="base">
+              <a:buNone/>
+            </a:pPr>
+            <a:r>
+              <a:rPr lang="ko-KR" altLang="en-US" sz="1400" dirty="0"/>
+              <a:t>예시 </a:t>
+            </a:r>
+            <a:r>
+              <a:rPr lang="en-US" altLang="ko-KR" sz="1400" dirty="0"/>
+              <a:t>2. Ignore Command</a:t>
+            </a:r>
+          </a:p>
+          <a:p>
+            <a:pPr marL="114300" indent="0" fontAlgn="base">
+              <a:buNone/>
+            </a:pPr>
+            <a:r>
+              <a:rPr lang="en-US" altLang="ko-KR" sz="1400" dirty="0"/>
+              <a:t>python ssd.py F</a:t>
+            </a:r>
+          </a:p>
+          <a:p>
+            <a:pPr marL="114300" indent="0" fontAlgn="base">
+              <a:buNone/>
+            </a:pPr>
+            <a:r>
+              <a:rPr lang="en-US" altLang="ko-KR" sz="1400" dirty="0"/>
+              <a:t>python ssd.py E 18 3</a:t>
+            </a:r>
+          </a:p>
+          <a:p>
+            <a:pPr marL="114300" indent="0" fontAlgn="base">
+              <a:buNone/>
+            </a:pPr>
+            <a:r>
+              <a:rPr lang="en-US" altLang="ko-KR" sz="1400" dirty="0"/>
+              <a:t>python ssd.py W 21 0x12341234</a:t>
+            </a:r>
+          </a:p>
+          <a:p>
+            <a:pPr marL="114300" indent="0" fontAlgn="base">
+              <a:buNone/>
+            </a:pPr>
+            <a:r>
+              <a:rPr lang="en-US" altLang="ko-KR" sz="1400" dirty="0"/>
+              <a:t>python ssd.py E 18 5</a:t>
+            </a:r>
+          </a:p>
+          <a:p>
+            <a:pPr marL="114300" indent="0" fontAlgn="base">
+              <a:buNone/>
+            </a:pPr>
+            <a:r>
+              <a:rPr lang="en-US" altLang="ko-KR" sz="1400" dirty="0"/>
+              <a:t>--------------------------------------</a:t>
+            </a:r>
+          </a:p>
+          <a:p>
+            <a:pPr marL="114300" indent="0" fontAlgn="base">
+              <a:buNone/>
+            </a:pPr>
+            <a:r>
+              <a:rPr lang="en-US" altLang="ko-KR" sz="1400" dirty="0"/>
+              <a:t>E 18 5</a:t>
+            </a:r>
+          </a:p>
+        </p:txBody>
+      </p:sp>
+      <p:sp>
+        <p:nvSpPr>
+          <p:cNvPr id="3" name="Google Shape;60;p3">
+            <a:extLst>
+              <a:ext uri="{FF2B5EF4-FFF2-40B4-BE49-F238E27FC236}">
+                <a16:creationId xmlns:a16="http://schemas.microsoft.com/office/drawing/2014/main" id="{B0D9A11D-C5EA-F94A-C1AA-558DCE7B71FD}"/>
+              </a:ext>
+            </a:extLst>
+          </p:cNvPr>
+          <p:cNvSpPr txBox="1">
+            <a:spLocks/>
+          </p:cNvSpPr>
+          <p:nvPr/>
+        </p:nvSpPr>
+        <p:spPr>
+          <a:xfrm>
+            <a:off x="605980" y="4021963"/>
+            <a:ext cx="5126999" cy="2690226"/>
+          </a:xfrm>
+          <a:prstGeom prst="rect">
+            <a:avLst/>
+          </a:prstGeom>
+          <a:noFill/>
+          <a:ln>
+            <a:solidFill>
+              <a:schemeClr val="tx1"/>
+            </a:solidFill>
+          </a:ln>
+        </p:spPr>
+        <p:txBody>
+          <a:bodyPr spcFirstLastPara="1" wrap="square" lIns="91425" tIns="45700" rIns="91425" bIns="45700" anchor="t" anchorCtr="0">
+            <a:noAutofit/>
+          </a:bodyPr>
+          <a:lstStyle>
+            <a:defPPr marR="0" lvl="0" algn="l" rtl="0">
+              <a:lnSpc>
+                <a:spcPct val="100000"/>
+              </a:lnSpc>
+              <a:spcBef>
+                <a:spcPts val="0"/>
+              </a:spcBef>
+              <a:spcAft>
+                <a:spcPts val="0"/>
+              </a:spcAft>
+            </a:defPPr>
+            <a:lvl1pPr marL="457200" marR="0" lvl="0" indent="-342900" algn="l" rtl="0">
+              <a:lnSpc>
+                <a:spcPct val="90000"/>
+              </a:lnSpc>
+              <a:spcBef>
+                <a:spcPts val="1000"/>
+              </a:spcBef>
+              <a:spcAft>
+                <a:spcPts val="0"/>
+              </a:spcAft>
+              <a:buClr>
+                <a:schemeClr val="dk1"/>
+              </a:buClr>
+              <a:buSzPts val="1800"/>
+              <a:buFont typeface="Arial"/>
+              <a:buChar char="•"/>
+              <a:defRPr sz="2800" b="0" i="0" u="none" strike="noStrike" cap="none">
+                <a:solidFill>
+                  <a:schemeClr val="dk1"/>
+                </a:solidFill>
+                <a:latin typeface="Malgun Gothic"/>
+                <a:ea typeface="Malgun Gothic"/>
+                <a:cs typeface="Malgun Gothic"/>
+                <a:sym typeface="Malgun Gothic"/>
+              </a:defRPr>
+            </a:lvl1pPr>
+            <a:lvl2pPr marL="914400" marR="0" lvl="1" indent="-342900" algn="l" rtl="0">
+              <a:lnSpc>
+                <a:spcPct val="90000"/>
+              </a:lnSpc>
+              <a:spcBef>
+                <a:spcPts val="500"/>
+              </a:spcBef>
+              <a:spcAft>
+                <a:spcPts val="0"/>
+              </a:spcAft>
+              <a:buClr>
+                <a:schemeClr val="dk1"/>
+              </a:buClr>
+              <a:buSzPts val="1800"/>
+              <a:buFont typeface="Arial"/>
+              <a:buChar char="•"/>
+              <a:defRPr sz="2400" b="0" i="0" u="none" strike="noStrike" cap="none">
+                <a:solidFill>
+                  <a:schemeClr val="dk1"/>
+                </a:solidFill>
+                <a:latin typeface="Malgun Gothic"/>
+                <a:ea typeface="Malgun Gothic"/>
+                <a:cs typeface="Malgun Gothic"/>
+                <a:sym typeface="Malgun Gothic"/>
+              </a:defRPr>
+            </a:lvl2pPr>
+            <a:lvl3pPr marL="1371600" marR="0" lvl="2" indent="-342900" algn="l" rtl="0">
+              <a:lnSpc>
+                <a:spcPct val="90000"/>
+              </a:lnSpc>
+              <a:spcBef>
+                <a:spcPts val="500"/>
+              </a:spcBef>
+              <a:spcAft>
+                <a:spcPts val="0"/>
+              </a:spcAft>
+              <a:buClr>
+                <a:schemeClr val="dk1"/>
+              </a:buClr>
+              <a:buSzPts val="1800"/>
+              <a:buFont typeface="Arial"/>
+              <a:buChar char="•"/>
+              <a:defRPr sz="2000" b="0" i="0" u="none" strike="noStrike" cap="none">
+                <a:solidFill>
+                  <a:schemeClr val="dk1"/>
+                </a:solidFill>
+                <a:latin typeface="Malgun Gothic"/>
+                <a:ea typeface="Malgun Gothic"/>
+                <a:cs typeface="Malgun Gothic"/>
+                <a:sym typeface="Malgun Gothic"/>
+              </a:defRPr>
+            </a:lvl3pPr>
+            <a:lvl4pPr marL="1828800" marR="0" lvl="3" indent="-342900" algn="l" rtl="0">
+              <a:lnSpc>
+                <a:spcPct val="90000"/>
+              </a:lnSpc>
+              <a:spcBef>
+                <a:spcPts val="500"/>
+              </a:spcBef>
+              <a:spcAft>
+                <a:spcPts val="0"/>
+              </a:spcAft>
+              <a:buClr>
+                <a:schemeClr val="dk1"/>
+              </a:buClr>
+              <a:buSzPts val="1800"/>
+              <a:buFont typeface="Arial"/>
+              <a:buChar char="•"/>
+              <a:defRPr sz="1800" b="0" i="0" u="none" strike="noStrike" cap="none">
+                <a:solidFill>
+                  <a:schemeClr val="dk1"/>
+                </a:solidFill>
+                <a:latin typeface="Malgun Gothic"/>
+                <a:ea typeface="Malgun Gothic"/>
+                <a:cs typeface="Malgun Gothic"/>
+                <a:sym typeface="Malgun Gothic"/>
+              </a:defRPr>
+            </a:lvl4pPr>
+            <a:lvl5pPr marL="2286000" marR="0" lvl="4" indent="-342900" algn="l" rtl="0">
+              <a:lnSpc>
+                <a:spcPct val="90000"/>
+              </a:lnSpc>
+              <a:spcBef>
+                <a:spcPts val="500"/>
+              </a:spcBef>
+              <a:spcAft>
+                <a:spcPts val="0"/>
+              </a:spcAft>
+              <a:buClr>
+                <a:schemeClr val="dk1"/>
+              </a:buClr>
+              <a:buSzPts val="1800"/>
+              <a:buFont typeface="Arial"/>
+              <a:buChar char="•"/>
+              <a:defRPr sz="1800" b="0" i="0" u="none" strike="noStrike" cap="none">
+                <a:solidFill>
+                  <a:schemeClr val="dk1"/>
+                </a:solidFill>
+                <a:latin typeface="Malgun Gothic"/>
+                <a:ea typeface="Malgun Gothic"/>
+                <a:cs typeface="Malgun Gothic"/>
+                <a:sym typeface="Malgun Gothic"/>
+              </a:defRPr>
+            </a:lvl5pPr>
+            <a:lvl6pPr marL="2743200" marR="0" lvl="5" indent="-342900" algn="l" rtl="0">
+              <a:lnSpc>
+                <a:spcPct val="90000"/>
+              </a:lnSpc>
+              <a:spcBef>
+                <a:spcPts val="500"/>
+              </a:spcBef>
+              <a:spcAft>
+                <a:spcPts val="0"/>
+              </a:spcAft>
+              <a:buClr>
+                <a:schemeClr val="dk1"/>
+              </a:buClr>
+              <a:buSzPts val="1800"/>
+              <a:buFont typeface="Arial"/>
+              <a:buChar char="•"/>
+              <a:defRPr sz="1800" b="0" i="0" u="none" strike="noStrike" cap="none">
+                <a:solidFill>
+                  <a:schemeClr val="dk1"/>
+                </a:solidFill>
+                <a:latin typeface="Malgun Gothic"/>
+                <a:ea typeface="Malgun Gothic"/>
+                <a:cs typeface="Malgun Gothic"/>
+                <a:sym typeface="Malgun Gothic"/>
+              </a:defRPr>
+            </a:lvl6pPr>
+            <a:lvl7pPr marL="3200400" marR="0" lvl="6" indent="-342900" algn="l" rtl="0">
+              <a:lnSpc>
+                <a:spcPct val="90000"/>
+              </a:lnSpc>
+              <a:spcBef>
+                <a:spcPts val="500"/>
+              </a:spcBef>
+              <a:spcAft>
+                <a:spcPts val="0"/>
+              </a:spcAft>
+              <a:buClr>
+                <a:schemeClr val="dk1"/>
+              </a:buClr>
+              <a:buSzPts val="1800"/>
+              <a:buFont typeface="Arial"/>
+              <a:buChar char="•"/>
+              <a:defRPr sz="1800" b="0" i="0" u="none" strike="noStrike" cap="none">
+                <a:solidFill>
+                  <a:schemeClr val="dk1"/>
+                </a:solidFill>
+                <a:latin typeface="Malgun Gothic"/>
+                <a:ea typeface="Malgun Gothic"/>
+                <a:cs typeface="Malgun Gothic"/>
+                <a:sym typeface="Malgun Gothic"/>
+              </a:defRPr>
+            </a:lvl7pPr>
+            <a:lvl8pPr marL="3657600" marR="0" lvl="7" indent="-342900" algn="l" rtl="0">
+              <a:lnSpc>
+                <a:spcPct val="90000"/>
+              </a:lnSpc>
+              <a:spcBef>
+                <a:spcPts val="500"/>
+              </a:spcBef>
+              <a:spcAft>
+                <a:spcPts val="0"/>
+              </a:spcAft>
+              <a:buClr>
+                <a:schemeClr val="dk1"/>
+              </a:buClr>
+              <a:buSzPts val="1800"/>
+              <a:buFont typeface="Arial"/>
+              <a:buChar char="•"/>
+              <a:defRPr sz="1800" b="0" i="0" u="none" strike="noStrike" cap="none">
+                <a:solidFill>
+                  <a:schemeClr val="dk1"/>
+                </a:solidFill>
+                <a:latin typeface="Malgun Gothic"/>
+                <a:ea typeface="Malgun Gothic"/>
+                <a:cs typeface="Malgun Gothic"/>
+                <a:sym typeface="Malgun Gothic"/>
+              </a:defRPr>
+            </a:lvl8pPr>
+            <a:lvl9pPr marL="4114800" marR="0" lvl="8" indent="-342900" algn="l" rtl="0">
+              <a:lnSpc>
+                <a:spcPct val="90000"/>
+              </a:lnSpc>
+              <a:spcBef>
+                <a:spcPts val="500"/>
+              </a:spcBef>
+              <a:spcAft>
+                <a:spcPts val="0"/>
+              </a:spcAft>
+              <a:buClr>
+                <a:schemeClr val="dk1"/>
+              </a:buClr>
+              <a:buSzPts val="1800"/>
+              <a:buFont typeface="Arial"/>
+              <a:buChar char="•"/>
+              <a:defRPr sz="1800" b="0" i="0" u="none" strike="noStrike" cap="none">
+                <a:solidFill>
+                  <a:schemeClr val="dk1"/>
+                </a:solidFill>
+                <a:latin typeface="Malgun Gothic"/>
+                <a:ea typeface="Malgun Gothic"/>
+                <a:cs typeface="Malgun Gothic"/>
+                <a:sym typeface="Malgun Gothic"/>
+              </a:defRPr>
+            </a:lvl9pPr>
+          </a:lstStyle>
+          <a:p>
+            <a:pPr marL="114300" indent="0" fontAlgn="base">
+              <a:buNone/>
+            </a:pPr>
+            <a:r>
+              <a:rPr lang="ko-KR" altLang="en-US" sz="1400" dirty="0"/>
+              <a:t>예시 </a:t>
+            </a:r>
+            <a:r>
+              <a:rPr lang="en-US" altLang="ko-KR" sz="1400" dirty="0"/>
+              <a:t>3. Merge Erase</a:t>
+            </a:r>
+          </a:p>
+          <a:p>
+            <a:pPr marL="114300" indent="0" fontAlgn="base">
+              <a:buNone/>
+            </a:pPr>
+            <a:r>
+              <a:rPr lang="en-US" altLang="ko-KR" sz="1400" dirty="0"/>
+              <a:t>python ssd.py F</a:t>
+            </a:r>
+          </a:p>
+          <a:p>
+            <a:pPr marL="114300" indent="0" fontAlgn="base">
+              <a:buNone/>
+            </a:pPr>
+            <a:r>
+              <a:rPr lang="en-US" altLang="ko-KR" sz="1400" dirty="0"/>
+              <a:t>python ssd.py W 20 0xABCDABCD</a:t>
+            </a:r>
+          </a:p>
+          <a:p>
+            <a:pPr marL="114300" indent="0" fontAlgn="base">
+              <a:buNone/>
+            </a:pPr>
+            <a:r>
+              <a:rPr lang="en-US" altLang="ko-KR" sz="1400" dirty="0"/>
+              <a:t>python ssd.py E 10 4</a:t>
+            </a:r>
+          </a:p>
+          <a:p>
+            <a:pPr marL="114300" indent="0" fontAlgn="base">
+              <a:buNone/>
+            </a:pPr>
+            <a:r>
+              <a:rPr lang="en-US" altLang="ko-KR" sz="1400" dirty="0"/>
+              <a:t>python ssd.py E 12 3</a:t>
+            </a:r>
+          </a:p>
+          <a:p>
+            <a:pPr marL="114300" indent="0" fontAlgn="base">
+              <a:buNone/>
+            </a:pPr>
+            <a:r>
+              <a:rPr lang="en-US" altLang="ko-KR" sz="1400" dirty="0"/>
+              <a:t>--------------------------------------</a:t>
+            </a:r>
+          </a:p>
+          <a:p>
+            <a:pPr marL="114300" indent="0" fontAlgn="base">
+              <a:buNone/>
+            </a:pPr>
+            <a:r>
+              <a:rPr lang="en-US" altLang="ko-KR" sz="1400" dirty="0"/>
+              <a:t>W 20 0xABCDABCD</a:t>
+            </a:r>
+          </a:p>
+          <a:p>
+            <a:pPr marL="114300" indent="0" fontAlgn="base">
+              <a:buNone/>
+            </a:pPr>
+            <a:r>
+              <a:rPr lang="en-US" altLang="ko-KR" sz="1400" dirty="0"/>
+              <a:t>E 10 5</a:t>
+            </a:r>
+          </a:p>
+        </p:txBody>
+      </p:sp>
+      <p:sp>
+        <p:nvSpPr>
+          <p:cNvPr id="5" name="Google Shape;60;p3">
+            <a:extLst>
+              <a:ext uri="{FF2B5EF4-FFF2-40B4-BE49-F238E27FC236}">
+                <a16:creationId xmlns:a16="http://schemas.microsoft.com/office/drawing/2014/main" id="{85227CE2-CC72-BFF4-6F38-2D1B49C5C8FF}"/>
+              </a:ext>
+            </a:extLst>
+          </p:cNvPr>
+          <p:cNvSpPr txBox="1">
+            <a:spLocks/>
+          </p:cNvSpPr>
+          <p:nvPr/>
+        </p:nvSpPr>
+        <p:spPr>
+          <a:xfrm>
+            <a:off x="6065178" y="4021960"/>
+            <a:ext cx="5288622" cy="2690229"/>
+          </a:xfrm>
+          <a:prstGeom prst="rect">
+            <a:avLst/>
+          </a:prstGeom>
+          <a:noFill/>
+          <a:ln>
+            <a:solidFill>
+              <a:schemeClr val="tx1"/>
+            </a:solidFill>
+          </a:ln>
+        </p:spPr>
+        <p:txBody>
+          <a:bodyPr spcFirstLastPara="1" wrap="square" lIns="91425" tIns="45700" rIns="91425" bIns="45700" anchor="t" anchorCtr="0">
+            <a:noAutofit/>
+          </a:bodyPr>
+          <a:lstStyle>
+            <a:defPPr marR="0" lvl="0" algn="l" rtl="0">
+              <a:lnSpc>
+                <a:spcPct val="100000"/>
+              </a:lnSpc>
+              <a:spcBef>
+                <a:spcPts val="0"/>
+              </a:spcBef>
+              <a:spcAft>
+                <a:spcPts val="0"/>
+              </a:spcAft>
+            </a:defPPr>
+            <a:lvl1pPr marL="457200" marR="0" lvl="0" indent="-342900" algn="l" rtl="0">
+              <a:lnSpc>
+                <a:spcPct val="90000"/>
+              </a:lnSpc>
+              <a:spcBef>
+                <a:spcPts val="1000"/>
+              </a:spcBef>
+              <a:spcAft>
+                <a:spcPts val="0"/>
+              </a:spcAft>
+              <a:buClr>
+                <a:schemeClr val="dk1"/>
+              </a:buClr>
+              <a:buSzPts val="1800"/>
+              <a:buFont typeface="Arial"/>
+              <a:buChar char="•"/>
+              <a:defRPr sz="2800" b="0" i="0" u="none" strike="noStrike" cap="none">
+                <a:solidFill>
+                  <a:schemeClr val="dk1"/>
+                </a:solidFill>
+                <a:latin typeface="Malgun Gothic"/>
+                <a:ea typeface="Malgun Gothic"/>
+                <a:cs typeface="Malgun Gothic"/>
+                <a:sym typeface="Malgun Gothic"/>
+              </a:defRPr>
+            </a:lvl1pPr>
+            <a:lvl2pPr marL="914400" marR="0" lvl="1" indent="-342900" algn="l" rtl="0">
+              <a:lnSpc>
+                <a:spcPct val="90000"/>
+              </a:lnSpc>
+              <a:spcBef>
+                <a:spcPts val="500"/>
+              </a:spcBef>
+              <a:spcAft>
+                <a:spcPts val="0"/>
+              </a:spcAft>
+              <a:buClr>
+                <a:schemeClr val="dk1"/>
+              </a:buClr>
+              <a:buSzPts val="1800"/>
+              <a:buFont typeface="Arial"/>
+              <a:buChar char="•"/>
+              <a:defRPr sz="2400" b="0" i="0" u="none" strike="noStrike" cap="none">
+                <a:solidFill>
+                  <a:schemeClr val="dk1"/>
+                </a:solidFill>
+                <a:latin typeface="Malgun Gothic"/>
+                <a:ea typeface="Malgun Gothic"/>
+                <a:cs typeface="Malgun Gothic"/>
+                <a:sym typeface="Malgun Gothic"/>
+              </a:defRPr>
+            </a:lvl2pPr>
+            <a:lvl3pPr marL="1371600" marR="0" lvl="2" indent="-342900" algn="l" rtl="0">
+              <a:lnSpc>
+                <a:spcPct val="90000"/>
+              </a:lnSpc>
+              <a:spcBef>
+                <a:spcPts val="500"/>
+              </a:spcBef>
+              <a:spcAft>
+                <a:spcPts val="0"/>
+              </a:spcAft>
+              <a:buClr>
+                <a:schemeClr val="dk1"/>
+              </a:buClr>
+              <a:buSzPts val="1800"/>
+              <a:buFont typeface="Arial"/>
+              <a:buChar char="•"/>
+              <a:defRPr sz="2000" b="0" i="0" u="none" strike="noStrike" cap="none">
+                <a:solidFill>
+                  <a:schemeClr val="dk1"/>
+                </a:solidFill>
+                <a:latin typeface="Malgun Gothic"/>
+                <a:ea typeface="Malgun Gothic"/>
+                <a:cs typeface="Malgun Gothic"/>
+                <a:sym typeface="Malgun Gothic"/>
+              </a:defRPr>
+            </a:lvl3pPr>
+            <a:lvl4pPr marL="1828800" marR="0" lvl="3" indent="-342900" algn="l" rtl="0">
+              <a:lnSpc>
+                <a:spcPct val="90000"/>
+              </a:lnSpc>
+              <a:spcBef>
+                <a:spcPts val="500"/>
+              </a:spcBef>
+              <a:spcAft>
+                <a:spcPts val="0"/>
+              </a:spcAft>
+              <a:buClr>
+                <a:schemeClr val="dk1"/>
+              </a:buClr>
+              <a:buSzPts val="1800"/>
+              <a:buFont typeface="Arial"/>
+              <a:buChar char="•"/>
+              <a:defRPr sz="1800" b="0" i="0" u="none" strike="noStrike" cap="none">
+                <a:solidFill>
+                  <a:schemeClr val="dk1"/>
+                </a:solidFill>
+                <a:latin typeface="Malgun Gothic"/>
+                <a:ea typeface="Malgun Gothic"/>
+                <a:cs typeface="Malgun Gothic"/>
+                <a:sym typeface="Malgun Gothic"/>
+              </a:defRPr>
+            </a:lvl4pPr>
+            <a:lvl5pPr marL="2286000" marR="0" lvl="4" indent="-342900" algn="l" rtl="0">
+              <a:lnSpc>
+                <a:spcPct val="90000"/>
+              </a:lnSpc>
+              <a:spcBef>
+                <a:spcPts val="500"/>
+              </a:spcBef>
+              <a:spcAft>
+                <a:spcPts val="0"/>
+              </a:spcAft>
+              <a:buClr>
+                <a:schemeClr val="dk1"/>
+              </a:buClr>
+              <a:buSzPts val="1800"/>
+              <a:buFont typeface="Arial"/>
+              <a:buChar char="•"/>
+              <a:defRPr sz="1800" b="0" i="0" u="none" strike="noStrike" cap="none">
+                <a:solidFill>
+                  <a:schemeClr val="dk1"/>
+                </a:solidFill>
+                <a:latin typeface="Malgun Gothic"/>
+                <a:ea typeface="Malgun Gothic"/>
+                <a:cs typeface="Malgun Gothic"/>
+                <a:sym typeface="Malgun Gothic"/>
+              </a:defRPr>
+            </a:lvl5pPr>
+            <a:lvl6pPr marL="2743200" marR="0" lvl="5" indent="-342900" algn="l" rtl="0">
+              <a:lnSpc>
+                <a:spcPct val="90000"/>
+              </a:lnSpc>
+              <a:spcBef>
+                <a:spcPts val="500"/>
+              </a:spcBef>
+              <a:spcAft>
+                <a:spcPts val="0"/>
+              </a:spcAft>
+              <a:buClr>
+                <a:schemeClr val="dk1"/>
+              </a:buClr>
+              <a:buSzPts val="1800"/>
+              <a:buFont typeface="Arial"/>
+              <a:buChar char="•"/>
+              <a:defRPr sz="1800" b="0" i="0" u="none" strike="noStrike" cap="none">
+                <a:solidFill>
+                  <a:schemeClr val="dk1"/>
+                </a:solidFill>
+                <a:latin typeface="Malgun Gothic"/>
+                <a:ea typeface="Malgun Gothic"/>
+                <a:cs typeface="Malgun Gothic"/>
+                <a:sym typeface="Malgun Gothic"/>
+              </a:defRPr>
+            </a:lvl6pPr>
+            <a:lvl7pPr marL="3200400" marR="0" lvl="6" indent="-342900" algn="l" rtl="0">
+              <a:lnSpc>
+                <a:spcPct val="90000"/>
+              </a:lnSpc>
+              <a:spcBef>
+                <a:spcPts val="500"/>
+              </a:spcBef>
+              <a:spcAft>
+                <a:spcPts val="0"/>
+              </a:spcAft>
+              <a:buClr>
+                <a:schemeClr val="dk1"/>
+              </a:buClr>
+              <a:buSzPts val="1800"/>
+              <a:buFont typeface="Arial"/>
+              <a:buChar char="•"/>
+              <a:defRPr sz="1800" b="0" i="0" u="none" strike="noStrike" cap="none">
+                <a:solidFill>
+                  <a:schemeClr val="dk1"/>
+                </a:solidFill>
+                <a:latin typeface="Malgun Gothic"/>
+                <a:ea typeface="Malgun Gothic"/>
+                <a:cs typeface="Malgun Gothic"/>
+                <a:sym typeface="Malgun Gothic"/>
+              </a:defRPr>
+            </a:lvl7pPr>
+            <a:lvl8pPr marL="3657600" marR="0" lvl="7" indent="-342900" algn="l" rtl="0">
+              <a:lnSpc>
+                <a:spcPct val="90000"/>
+              </a:lnSpc>
+              <a:spcBef>
+                <a:spcPts val="500"/>
+              </a:spcBef>
+              <a:spcAft>
+                <a:spcPts val="0"/>
+              </a:spcAft>
+              <a:buClr>
+                <a:schemeClr val="dk1"/>
+              </a:buClr>
+              <a:buSzPts val="1800"/>
+              <a:buFont typeface="Arial"/>
+              <a:buChar char="•"/>
+              <a:defRPr sz="1800" b="0" i="0" u="none" strike="noStrike" cap="none">
+                <a:solidFill>
+                  <a:schemeClr val="dk1"/>
+                </a:solidFill>
+                <a:latin typeface="Malgun Gothic"/>
+                <a:ea typeface="Malgun Gothic"/>
+                <a:cs typeface="Malgun Gothic"/>
+                <a:sym typeface="Malgun Gothic"/>
+              </a:defRPr>
+            </a:lvl8pPr>
+            <a:lvl9pPr marL="4114800" marR="0" lvl="8" indent="-342900" algn="l" rtl="0">
+              <a:lnSpc>
+                <a:spcPct val="90000"/>
+              </a:lnSpc>
+              <a:spcBef>
+                <a:spcPts val="500"/>
+              </a:spcBef>
+              <a:spcAft>
+                <a:spcPts val="0"/>
+              </a:spcAft>
+              <a:buClr>
+                <a:schemeClr val="dk1"/>
+              </a:buClr>
+              <a:buSzPts val="1800"/>
+              <a:buFont typeface="Arial"/>
+              <a:buChar char="•"/>
+              <a:defRPr sz="1800" b="0" i="0" u="none" strike="noStrike" cap="none">
+                <a:solidFill>
+                  <a:schemeClr val="dk1"/>
+                </a:solidFill>
+                <a:latin typeface="Malgun Gothic"/>
+                <a:ea typeface="Malgun Gothic"/>
+                <a:cs typeface="Malgun Gothic"/>
+                <a:sym typeface="Malgun Gothic"/>
+              </a:defRPr>
+            </a:lvl9pPr>
+          </a:lstStyle>
+          <a:p>
+            <a:pPr marL="114300" indent="0" fontAlgn="base">
+              <a:buNone/>
+            </a:pPr>
+            <a:r>
+              <a:rPr lang="ko-KR" altLang="en-US" sz="1400" dirty="0"/>
+              <a:t>예시 </a:t>
+            </a:r>
+            <a:r>
+              <a:rPr lang="en-US" altLang="ko-KR" sz="1400" dirty="0"/>
+              <a:t>4. Fast Read</a:t>
+            </a:r>
+          </a:p>
+          <a:p>
+            <a:pPr marL="114300" indent="0" fontAlgn="base">
+              <a:buNone/>
+            </a:pPr>
+            <a:r>
+              <a:rPr lang="en-US" altLang="ko-KR" sz="1400" dirty="0"/>
+              <a:t>python ssd.py F</a:t>
+            </a:r>
+          </a:p>
+          <a:p>
+            <a:pPr marL="114300" indent="0" fontAlgn="base">
+              <a:buNone/>
+            </a:pPr>
+            <a:r>
+              <a:rPr lang="en-US" altLang="ko-KR" sz="1400" dirty="0"/>
+              <a:t>python ssd.py W 10 0xABCDABCD</a:t>
+            </a:r>
+          </a:p>
+          <a:p>
+            <a:pPr marL="114300" indent="0" fontAlgn="base">
+              <a:buNone/>
+            </a:pPr>
+            <a:r>
+              <a:rPr lang="en-US" altLang="ko-KR" sz="1400" dirty="0"/>
+              <a:t>python ssd.py E 10 2</a:t>
+            </a:r>
+          </a:p>
+          <a:p>
+            <a:pPr marL="114300" indent="0" fontAlgn="base">
+              <a:buNone/>
+            </a:pPr>
+            <a:r>
+              <a:rPr lang="en-US" altLang="ko-KR" sz="1400" dirty="0"/>
+              <a:t>python ssd.py W 11 0xABCDABCD</a:t>
+            </a:r>
+          </a:p>
+          <a:p>
+            <a:pPr marL="114300" indent="0" fontAlgn="base">
+              <a:buNone/>
+            </a:pPr>
+            <a:r>
+              <a:rPr lang="en-US" altLang="ko-KR" sz="1400" dirty="0"/>
+              <a:t>--------------------------------------</a:t>
+            </a:r>
+          </a:p>
+          <a:p>
+            <a:pPr marL="114300" indent="0" fontAlgn="base">
+              <a:buNone/>
+            </a:pPr>
+            <a:r>
+              <a:rPr lang="en-US" altLang="ko-KR" sz="1400" dirty="0"/>
+              <a:t>R 10 0x00000000</a:t>
+            </a:r>
+          </a:p>
+          <a:p>
+            <a:pPr marL="114300" indent="0" fontAlgn="base">
+              <a:buNone/>
+            </a:pPr>
+            <a:r>
+              <a:rPr lang="en-US" altLang="ko-KR" sz="1400" dirty="0"/>
+              <a:t>R 11 0xABCDABCD</a:t>
+            </a:r>
+          </a:p>
+        </p:txBody>
+      </p:sp>
+    </p:spTree>
+    <p:extLst>
+      <p:ext uri="{BB962C8B-B14F-4D97-AF65-F5344CB8AC3E}">
+        <p14:creationId xmlns:p14="http://schemas.microsoft.com/office/powerpoint/2010/main" val="4131599688"/>
       </p:ext>
     </p:extLst>
   </p:cSld>
@@ -20702,6 +23285,93 @@
         </p:txBody>
       </p:sp>
     </p:spTree>
+  </p:cSld>
+  <p:clrMapOvr>
+    <a:masterClrMapping/>
+  </p:clrMapOvr>
+</p:sld>
+</file>
+
+<file path=ppt/slides/slide30.xml><?xml version="1.0" encoding="utf-8"?>
+<p:sld xmlns:a="http://schemas.openxmlformats.org/drawingml/2006/main" xmlns:r="http://schemas.openxmlformats.org/officeDocument/2006/relationships" xmlns:p="http://schemas.openxmlformats.org/presentationml/2006/main">
+  <p:cSld>
+    <p:spTree>
+      <p:nvGrpSpPr>
+        <p:cNvPr id="1" name="Shape 53"/>
+        <p:cNvGrpSpPr/>
+        <p:nvPr/>
+      </p:nvGrpSpPr>
+      <p:grpSpPr>
+        <a:xfrm>
+          <a:off x="0" y="0"/>
+          <a:ext cx="0" cy="0"/>
+          <a:chOff x="0" y="0"/>
+          <a:chExt cx="0" cy="0"/>
+        </a:xfrm>
+      </p:grpSpPr>
+      <p:sp>
+        <p:nvSpPr>
+          <p:cNvPr id="54" name="Google Shape;54;p2"/>
+          <p:cNvSpPr txBox="1">
+            <a:spLocks noGrp="1"/>
+          </p:cNvSpPr>
+          <p:nvPr>
+            <p:ph type="body" idx="1"/>
+          </p:nvPr>
+        </p:nvSpPr>
+        <p:spPr>
+          <a:xfrm>
+            <a:off x="1632000" y="1860184"/>
+            <a:ext cx="8928000" cy="2533083"/>
+          </a:xfrm>
+          <a:prstGeom prst="rect">
+            <a:avLst/>
+          </a:prstGeom>
+          <a:noFill/>
+          <a:ln>
+            <a:noFill/>
+          </a:ln>
+        </p:spPr>
+        <p:txBody>
+          <a:bodyPr spcFirstLastPara="1" wrap="square" lIns="0" tIns="45700" rIns="91425" bIns="45700" anchor="ctr" anchorCtr="0">
+            <a:noAutofit/>
+          </a:bodyPr>
+          <a:lstStyle/>
+          <a:p>
+            <a:pPr marL="0" lvl="0" indent="0" algn="ctr" rtl="0">
+              <a:lnSpc>
+                <a:spcPct val="90000"/>
+              </a:lnSpc>
+              <a:spcBef>
+                <a:spcPts val="0"/>
+              </a:spcBef>
+              <a:spcAft>
+                <a:spcPts val="0"/>
+              </a:spcAft>
+              <a:buClr>
+                <a:schemeClr val="dk1"/>
+              </a:buClr>
+              <a:buSzPts val="3200"/>
+              <a:buNone/>
+            </a:pPr>
+            <a:r>
+              <a:rPr lang="ko-KR" altLang="en-US" dirty="0"/>
+              <a:t>감사합니다</a:t>
+            </a:r>
+            <a:r>
+              <a:rPr lang="en-US" altLang="ko-KR" dirty="0"/>
+              <a:t>.</a:t>
+            </a:r>
+            <a:endParaRPr dirty="0"/>
+          </a:p>
+        </p:txBody>
+      </p:sp>
+    </p:spTree>
+    <p:extLst>
+      <p:ext uri="{BB962C8B-B14F-4D97-AF65-F5344CB8AC3E}">
+        <p14:creationId xmlns:p14="http://schemas.microsoft.com/office/powerpoint/2010/main" val="1758045664"/>
+      </p:ext>
+    </p:extLst>
   </p:cSld>
   <p:clrMapOvr>
     <a:masterClrMapping/>
@@ -24198,10 +26868,18 @@
           <a:lstStyle/>
           <a:p>
             <a:r>
-              <a:rPr lang="en-US" altLang="ko-KR" sz="1800" b="1" dirty="0"/>
+              <a:rPr lang="en-US" altLang="ko-KR" sz="1800" b="1" dirty="0">
+                <a:solidFill>
+                  <a:srgbClr val="0000FF"/>
+                </a:solidFill>
+              </a:rPr>
               <a:t>Test Code</a:t>
             </a:r>
-            <a:endParaRPr lang="ko-KR" altLang="en-US" sz="1800" b="1" dirty="0"/>
+            <a:endParaRPr lang="ko-KR" altLang="en-US" sz="1800" b="1" dirty="0">
+              <a:solidFill>
+                <a:srgbClr val="0000FF"/>
+              </a:solidFill>
+            </a:endParaRPr>
           </a:p>
         </p:txBody>
       </p:sp>
@@ -24234,10 +26912,18 @@
           <a:lstStyle/>
           <a:p>
             <a:r>
-              <a:rPr lang="en-US" altLang="ko-KR" sz="1800" b="1" dirty="0"/>
+              <a:rPr lang="en-US" altLang="ko-KR" sz="1800" b="1" dirty="0">
+                <a:solidFill>
+                  <a:srgbClr val="0000FF"/>
+                </a:solidFill>
+              </a:rPr>
               <a:t>Code</a:t>
             </a:r>
-            <a:endParaRPr lang="ko-KR" altLang="en-US" sz="1800" b="1" dirty="0"/>
+            <a:endParaRPr lang="ko-KR" altLang="en-US" sz="1800" b="1" dirty="0">
+              <a:solidFill>
+                <a:srgbClr val="0000FF"/>
+              </a:solidFill>
+            </a:endParaRPr>
           </a:p>
         </p:txBody>
       </p:sp>

--- a/Code Clinic.pptx
+++ b/Code Clinic.pptx
@@ -21266,7 +21266,7 @@
             </a:pPr>
             <a:r>
               <a:rPr lang="pt-BR" dirty="0"/>
-              <a:t>	6 python ssd.py E 10 </a:t>
+              <a:t>	6 python ssd.py E 10 1</a:t>
             </a:r>
           </a:p>
           <a:p>
